--- a/documents/GDC Appli.pptx
+++ b/documents/GDC Appli.pptx
@@ -4,6 +4,9 @@
   <p:sldMasterIdLst>
     <p:sldMasterId id="2147483648" r:id="rId1"/>
   </p:sldMasterIdLst>
+  <p:notesMasterIdLst>
+    <p:notesMasterId r:id="rId9"/>
+  </p:notesMasterIdLst>
   <p:sldIdLst>
     <p:sldId id="256" r:id="rId2"/>
     <p:sldId id="257" r:id="rId3"/>
@@ -110,7 +113,506 @@
       </a:defRPr>
     </a:lvl9pPr>
   </p:defaultTextStyle>
+  <p:extLst>
+    <p:ext uri="{EFAFB233-063F-42B5-8137-9DF3F51BA10A}">
+      <p15:sldGuideLst xmlns:p15="http://schemas.microsoft.com/office/powerpoint/2012/main"/>
+    </p:ext>
+  </p:extLst>
 </p:presentation>
+</file>
+
+<file path=ppt/revisionInfo.xml><?xml version="1.0" encoding="utf-8"?>
+<p1510:revInfo xmlns:a="http://schemas.openxmlformats.org/drawingml/2006/main" xmlns:r="http://schemas.openxmlformats.org/officeDocument/2006/relationships" xmlns:p1510="http://schemas.microsoft.com/office/powerpoint/2015/10/main"/>
+</file>
+
+<file path=ppt/notesMasters/notesMaster1.xml><?xml version="1.0" encoding="utf-8"?>
+<p:notesMaster xmlns:a="http://schemas.openxmlformats.org/drawingml/2006/main" xmlns:r="http://schemas.openxmlformats.org/officeDocument/2006/relationships" xmlns:p="http://schemas.openxmlformats.org/presentationml/2006/main">
+  <p:cSld>
+    <p:bg>
+      <p:bgRef idx="1001">
+        <a:schemeClr val="bg1"/>
+      </p:bgRef>
+    </p:bg>
+    <p:spTree>
+      <p:nvGrpSpPr>
+        <p:cNvPr id="1" name=""/>
+        <p:cNvGrpSpPr/>
+        <p:nvPr/>
+      </p:nvGrpSpPr>
+      <p:grpSpPr>
+        <a:xfrm>
+          <a:off x="0" y="0"/>
+          <a:ext cx="0" cy="0"/>
+          <a:chOff x="0" y="0"/>
+          <a:chExt cx="0" cy="0"/>
+        </a:xfrm>
+      </p:grpSpPr>
+      <p:sp>
+        <p:nvSpPr>
+          <p:cNvPr id="2" name="Espace réservé de l'en-tête 1"/>
+          <p:cNvSpPr>
+            <a:spLocks noGrp="1"/>
+          </p:cNvSpPr>
+          <p:nvPr>
+            <p:ph type="hdr" sz="quarter"/>
+          </p:nvPr>
+        </p:nvSpPr>
+        <p:spPr>
+          <a:xfrm>
+            <a:off x="0" y="0"/>
+            <a:ext cx="2971800" cy="458788"/>
+          </a:xfrm>
+          <a:prstGeom prst="rect">
+            <a:avLst/>
+          </a:prstGeom>
+        </p:spPr>
+        <p:txBody>
+          <a:bodyPr vert="horz" lIns="91440" tIns="45720" rIns="91440" bIns="45720" rtlCol="0"/>
+          <a:lstStyle>
+            <a:lvl1pPr algn="l">
+              <a:defRPr sz="1200"/>
+            </a:lvl1pPr>
+          </a:lstStyle>
+          <a:p>
+            <a:endParaRPr lang="fr-FR"/>
+          </a:p>
+        </p:txBody>
+      </p:sp>
+      <p:sp>
+        <p:nvSpPr>
+          <p:cNvPr id="3" name="Espace réservé de la date 2"/>
+          <p:cNvSpPr>
+            <a:spLocks noGrp="1"/>
+          </p:cNvSpPr>
+          <p:nvPr>
+            <p:ph type="dt" idx="1"/>
+          </p:nvPr>
+        </p:nvSpPr>
+        <p:spPr>
+          <a:xfrm>
+            <a:off x="3884613" y="0"/>
+            <a:ext cx="2971800" cy="458788"/>
+          </a:xfrm>
+          <a:prstGeom prst="rect">
+            <a:avLst/>
+          </a:prstGeom>
+        </p:spPr>
+        <p:txBody>
+          <a:bodyPr vert="horz" lIns="91440" tIns="45720" rIns="91440" bIns="45720" rtlCol="0"/>
+          <a:lstStyle>
+            <a:lvl1pPr algn="r">
+              <a:defRPr sz="1200"/>
+            </a:lvl1pPr>
+          </a:lstStyle>
+          <a:p>
+            <a:fld id="{949A5677-5B6A-4E8E-98A5-A1BECE88F3D6}" type="datetimeFigureOut">
+              <a:rPr lang="fr-FR" smtClean="0"/>
+              <a:t>21/10/2017</a:t>
+            </a:fld>
+            <a:endParaRPr lang="fr-FR"/>
+          </a:p>
+        </p:txBody>
+      </p:sp>
+      <p:sp>
+        <p:nvSpPr>
+          <p:cNvPr id="4" name="Espace réservé de l'image des diapositives 3"/>
+          <p:cNvSpPr>
+            <a:spLocks noGrp="1" noRot="1" noChangeAspect="1"/>
+          </p:cNvSpPr>
+          <p:nvPr>
+            <p:ph type="sldImg" idx="2"/>
+          </p:nvPr>
+        </p:nvSpPr>
+        <p:spPr>
+          <a:xfrm>
+            <a:off x="685800" y="1143000"/>
+            <a:ext cx="5486400" cy="3086100"/>
+          </a:xfrm>
+          <a:prstGeom prst="rect">
+            <a:avLst/>
+          </a:prstGeom>
+          <a:noFill/>
+          <a:ln w="12700">
+            <a:solidFill>
+              <a:prstClr val="black"/>
+            </a:solidFill>
+          </a:ln>
+        </p:spPr>
+        <p:txBody>
+          <a:bodyPr vert="horz" lIns="91440" tIns="45720" rIns="91440" bIns="45720" rtlCol="0" anchor="ctr"/>
+          <a:lstStyle/>
+          <a:p>
+            <a:endParaRPr lang="fr-FR"/>
+          </a:p>
+        </p:txBody>
+      </p:sp>
+      <p:sp>
+        <p:nvSpPr>
+          <p:cNvPr id="5" name="Espace réservé des notes 4"/>
+          <p:cNvSpPr>
+            <a:spLocks noGrp="1"/>
+          </p:cNvSpPr>
+          <p:nvPr>
+            <p:ph type="body" sz="quarter" idx="3"/>
+          </p:nvPr>
+        </p:nvSpPr>
+        <p:spPr>
+          <a:xfrm>
+            <a:off x="685800" y="4400550"/>
+            <a:ext cx="5486400" cy="3600450"/>
+          </a:xfrm>
+          <a:prstGeom prst="rect">
+            <a:avLst/>
+          </a:prstGeom>
+        </p:spPr>
+        <p:txBody>
+          <a:bodyPr vert="horz" lIns="91440" tIns="45720" rIns="91440" bIns="45720" rtlCol="0"/>
+          <a:lstStyle/>
+          <a:p>
+            <a:pPr lvl="0"/>
+            <a:r>
+              <a:rPr lang="fr-FR"/>
+              <a:t>Modifier les styles du texte du masque</a:t>
+            </a:r>
+          </a:p>
+          <a:p>
+            <a:pPr lvl="1"/>
+            <a:r>
+              <a:rPr lang="fr-FR"/>
+              <a:t>Deuxième niveau</a:t>
+            </a:r>
+          </a:p>
+          <a:p>
+            <a:pPr lvl="2"/>
+            <a:r>
+              <a:rPr lang="fr-FR"/>
+              <a:t>Troisième niveau</a:t>
+            </a:r>
+          </a:p>
+          <a:p>
+            <a:pPr lvl="3"/>
+            <a:r>
+              <a:rPr lang="fr-FR"/>
+              <a:t>Quatrième niveau</a:t>
+            </a:r>
+          </a:p>
+          <a:p>
+            <a:pPr lvl="4"/>
+            <a:r>
+              <a:rPr lang="fr-FR"/>
+              <a:t>Cinquième niveau</a:t>
+            </a:r>
+          </a:p>
+        </p:txBody>
+      </p:sp>
+      <p:sp>
+        <p:nvSpPr>
+          <p:cNvPr id="6" name="Espace réservé du pied de page 5"/>
+          <p:cNvSpPr>
+            <a:spLocks noGrp="1"/>
+          </p:cNvSpPr>
+          <p:nvPr>
+            <p:ph type="ftr" sz="quarter" idx="4"/>
+          </p:nvPr>
+        </p:nvSpPr>
+        <p:spPr>
+          <a:xfrm>
+            <a:off x="0" y="8685213"/>
+            <a:ext cx="2971800" cy="458787"/>
+          </a:xfrm>
+          <a:prstGeom prst="rect">
+            <a:avLst/>
+          </a:prstGeom>
+        </p:spPr>
+        <p:txBody>
+          <a:bodyPr vert="horz" lIns="91440" tIns="45720" rIns="91440" bIns="45720" rtlCol="0" anchor="b"/>
+          <a:lstStyle>
+            <a:lvl1pPr algn="l">
+              <a:defRPr sz="1200"/>
+            </a:lvl1pPr>
+          </a:lstStyle>
+          <a:p>
+            <a:endParaRPr lang="fr-FR"/>
+          </a:p>
+        </p:txBody>
+      </p:sp>
+      <p:sp>
+        <p:nvSpPr>
+          <p:cNvPr id="7" name="Espace réservé du numéro de diapositive 6"/>
+          <p:cNvSpPr>
+            <a:spLocks noGrp="1"/>
+          </p:cNvSpPr>
+          <p:nvPr>
+            <p:ph type="sldNum" sz="quarter" idx="5"/>
+          </p:nvPr>
+        </p:nvSpPr>
+        <p:spPr>
+          <a:xfrm>
+            <a:off x="3884613" y="8685213"/>
+            <a:ext cx="2971800" cy="458787"/>
+          </a:xfrm>
+          <a:prstGeom prst="rect">
+            <a:avLst/>
+          </a:prstGeom>
+        </p:spPr>
+        <p:txBody>
+          <a:bodyPr vert="horz" lIns="91440" tIns="45720" rIns="91440" bIns="45720" rtlCol="0" anchor="b"/>
+          <a:lstStyle>
+            <a:lvl1pPr algn="r">
+              <a:defRPr sz="1200"/>
+            </a:lvl1pPr>
+          </a:lstStyle>
+          <a:p>
+            <a:fld id="{7B0037BD-D41B-4404-8BDB-F948A309A7BF}" type="slidenum">
+              <a:rPr lang="fr-FR" smtClean="0"/>
+              <a:t>‹N°›</a:t>
+            </a:fld>
+            <a:endParaRPr lang="fr-FR"/>
+          </a:p>
+        </p:txBody>
+      </p:sp>
+    </p:spTree>
+    <p:extLst>
+      <p:ext uri="{BB962C8B-B14F-4D97-AF65-F5344CB8AC3E}">
+        <p14:creationId xmlns:p14="http://schemas.microsoft.com/office/powerpoint/2010/main" val="900115376"/>
+      </p:ext>
+    </p:extLst>
+  </p:cSld>
+  <p:clrMap bg1="lt1" tx1="dk1" bg2="lt2" tx2="dk2" accent1="accent1" accent2="accent2" accent3="accent3" accent4="accent4" accent5="accent5" accent6="accent6" hlink="hlink" folHlink="folHlink"/>
+  <p:notesStyle>
+    <a:lvl1pPr marL="0" algn="l" defTabSz="914400" rtl="0" eaLnBrk="1" latinLnBrk="0" hangingPunct="1">
+      <a:defRPr sz="1200" kern="1200">
+        <a:solidFill>
+          <a:schemeClr val="tx1"/>
+        </a:solidFill>
+        <a:latin typeface="+mn-lt"/>
+        <a:ea typeface="+mn-ea"/>
+        <a:cs typeface="+mn-cs"/>
+      </a:defRPr>
+    </a:lvl1pPr>
+    <a:lvl2pPr marL="457200" algn="l" defTabSz="914400" rtl="0" eaLnBrk="1" latinLnBrk="0" hangingPunct="1">
+      <a:defRPr sz="1200" kern="1200">
+        <a:solidFill>
+          <a:schemeClr val="tx1"/>
+        </a:solidFill>
+        <a:latin typeface="+mn-lt"/>
+        <a:ea typeface="+mn-ea"/>
+        <a:cs typeface="+mn-cs"/>
+      </a:defRPr>
+    </a:lvl2pPr>
+    <a:lvl3pPr marL="914400" algn="l" defTabSz="914400" rtl="0" eaLnBrk="1" latinLnBrk="0" hangingPunct="1">
+      <a:defRPr sz="1200" kern="1200">
+        <a:solidFill>
+          <a:schemeClr val="tx1"/>
+        </a:solidFill>
+        <a:latin typeface="+mn-lt"/>
+        <a:ea typeface="+mn-ea"/>
+        <a:cs typeface="+mn-cs"/>
+      </a:defRPr>
+    </a:lvl3pPr>
+    <a:lvl4pPr marL="1371600" algn="l" defTabSz="914400" rtl="0" eaLnBrk="1" latinLnBrk="0" hangingPunct="1">
+      <a:defRPr sz="1200" kern="1200">
+        <a:solidFill>
+          <a:schemeClr val="tx1"/>
+        </a:solidFill>
+        <a:latin typeface="+mn-lt"/>
+        <a:ea typeface="+mn-ea"/>
+        <a:cs typeface="+mn-cs"/>
+      </a:defRPr>
+    </a:lvl4pPr>
+    <a:lvl5pPr marL="1828800" algn="l" defTabSz="914400" rtl="0" eaLnBrk="1" latinLnBrk="0" hangingPunct="1">
+      <a:defRPr sz="1200" kern="1200">
+        <a:solidFill>
+          <a:schemeClr val="tx1"/>
+        </a:solidFill>
+        <a:latin typeface="+mn-lt"/>
+        <a:ea typeface="+mn-ea"/>
+        <a:cs typeface="+mn-cs"/>
+      </a:defRPr>
+    </a:lvl5pPr>
+    <a:lvl6pPr marL="2286000" algn="l" defTabSz="914400" rtl="0" eaLnBrk="1" latinLnBrk="0" hangingPunct="1">
+      <a:defRPr sz="1200" kern="1200">
+        <a:solidFill>
+          <a:schemeClr val="tx1"/>
+        </a:solidFill>
+        <a:latin typeface="+mn-lt"/>
+        <a:ea typeface="+mn-ea"/>
+        <a:cs typeface="+mn-cs"/>
+      </a:defRPr>
+    </a:lvl6pPr>
+    <a:lvl7pPr marL="2743200" algn="l" defTabSz="914400" rtl="0" eaLnBrk="1" latinLnBrk="0" hangingPunct="1">
+      <a:defRPr sz="1200" kern="1200">
+        <a:solidFill>
+          <a:schemeClr val="tx1"/>
+        </a:solidFill>
+        <a:latin typeface="+mn-lt"/>
+        <a:ea typeface="+mn-ea"/>
+        <a:cs typeface="+mn-cs"/>
+      </a:defRPr>
+    </a:lvl7pPr>
+    <a:lvl8pPr marL="3200400" algn="l" defTabSz="914400" rtl="0" eaLnBrk="1" latinLnBrk="0" hangingPunct="1">
+      <a:defRPr sz="1200" kern="1200">
+        <a:solidFill>
+          <a:schemeClr val="tx1"/>
+        </a:solidFill>
+        <a:latin typeface="+mn-lt"/>
+        <a:ea typeface="+mn-ea"/>
+        <a:cs typeface="+mn-cs"/>
+      </a:defRPr>
+    </a:lvl8pPr>
+    <a:lvl9pPr marL="3657600" algn="l" defTabSz="914400" rtl="0" eaLnBrk="1" latinLnBrk="0" hangingPunct="1">
+      <a:defRPr sz="1200" kern="1200">
+        <a:solidFill>
+          <a:schemeClr val="tx1"/>
+        </a:solidFill>
+        <a:latin typeface="+mn-lt"/>
+        <a:ea typeface="+mn-ea"/>
+        <a:cs typeface="+mn-cs"/>
+      </a:defRPr>
+    </a:lvl9pPr>
+  </p:notesStyle>
+</p:notesMaster>
+</file>
+
+<file path=ppt/notesSlides/notesSlide1.xml><?xml version="1.0" encoding="utf-8"?>
+<p:notes xmlns:a="http://schemas.openxmlformats.org/drawingml/2006/main" xmlns:r="http://schemas.openxmlformats.org/officeDocument/2006/relationships" xmlns:p="http://schemas.openxmlformats.org/presentationml/2006/main">
+  <p:cSld>
+    <p:spTree>
+      <p:nvGrpSpPr>
+        <p:cNvPr id="1" name=""/>
+        <p:cNvGrpSpPr/>
+        <p:nvPr/>
+      </p:nvGrpSpPr>
+      <p:grpSpPr>
+        <a:xfrm>
+          <a:off x="0" y="0"/>
+          <a:ext cx="0" cy="0"/>
+          <a:chOff x="0" y="0"/>
+          <a:chExt cx="0" cy="0"/>
+        </a:xfrm>
+      </p:grpSpPr>
+      <p:sp>
+        <p:nvSpPr>
+          <p:cNvPr id="2" name="Espace réservé de l'image des diapositives 1"/>
+          <p:cNvSpPr>
+            <a:spLocks noGrp="1" noRot="1" noChangeAspect="1"/>
+          </p:cNvSpPr>
+          <p:nvPr>
+            <p:ph type="sldImg"/>
+          </p:nvPr>
+        </p:nvSpPr>
+        <p:spPr/>
+      </p:sp>
+      <p:sp>
+        <p:nvSpPr>
+          <p:cNvPr id="3" name="Espace réservé des notes 2"/>
+          <p:cNvSpPr>
+            <a:spLocks noGrp="1"/>
+          </p:cNvSpPr>
+          <p:nvPr>
+            <p:ph type="body" idx="1"/>
+          </p:nvPr>
+        </p:nvSpPr>
+        <p:spPr/>
+        <p:txBody>
+          <a:bodyPr/>
+          <a:lstStyle/>
+          <a:p>
+            <a:r>
+              <a:rPr lang="fr-FR" dirty="0"/>
+              <a:t>Menu pour le </a:t>
+            </a:r>
+            <a:r>
+              <a:rPr lang="fr-FR" dirty="0" err="1"/>
+              <a:t>descriptitf</a:t>
+            </a:r>
+            <a:endParaRPr lang="fr-FR" dirty="0"/>
+          </a:p>
+          <a:p>
+            <a:endParaRPr lang="fr-FR" dirty="0"/>
+          </a:p>
+          <a:p>
+            <a:r>
+              <a:rPr lang="fr-FR" dirty="0"/>
+              <a:t>Changer l’ordre des bulles : Partager Prier Lire</a:t>
+            </a:r>
+          </a:p>
+          <a:p>
+            <a:endParaRPr lang="fr-FR" dirty="0"/>
+          </a:p>
+          <a:p>
+            <a:r>
+              <a:rPr lang="fr-FR" dirty="0"/>
+              <a:t>Page lecture : </a:t>
+            </a:r>
+          </a:p>
+          <a:p>
+            <a:r>
+              <a:rPr lang="fr-FR" dirty="0"/>
+              <a:t>	- ajouter une liste des lectures avec un plus pour ajouter les lectures de la semaine</a:t>
+            </a:r>
+          </a:p>
+          <a:p>
+            <a:endParaRPr lang="fr-FR" dirty="0"/>
+          </a:p>
+          <a:p>
+            <a:r>
+              <a:rPr lang="fr-FR" dirty="0"/>
+              <a:t>Pour qui prier : </a:t>
+            </a:r>
+          </a:p>
+          <a:p>
+            <a:r>
+              <a:rPr lang="fr-FR" dirty="0"/>
+              <a:t>	- ajouter une page laissant la possibilité d’ajouter les personnes pour qui prier</a:t>
+            </a:r>
+          </a:p>
+          <a:p>
+            <a:r>
+              <a:rPr lang="fr-FR" dirty="0"/>
+              <a:t>	- ajouter une page avec la liste des personnes pour qui on a </a:t>
+            </a:r>
+            <a:r>
+              <a:rPr lang="fr-FR"/>
+              <a:t>déjà prié.</a:t>
+            </a:r>
+          </a:p>
+        </p:txBody>
+      </p:sp>
+      <p:sp>
+        <p:nvSpPr>
+          <p:cNvPr id="4" name="Espace réservé du numéro de diapositive 3"/>
+          <p:cNvSpPr>
+            <a:spLocks noGrp="1"/>
+          </p:cNvSpPr>
+          <p:nvPr>
+            <p:ph type="sldNum" sz="quarter" idx="10"/>
+          </p:nvPr>
+        </p:nvSpPr>
+        <p:spPr/>
+        <p:txBody>
+          <a:bodyPr/>
+          <a:lstStyle/>
+          <a:p>
+            <a:fld id="{7B0037BD-D41B-4404-8BDB-F948A309A7BF}" type="slidenum">
+              <a:rPr lang="fr-FR" smtClean="0"/>
+              <a:t>1</a:t>
+            </a:fld>
+            <a:endParaRPr lang="fr-FR"/>
+          </a:p>
+        </p:txBody>
+      </p:sp>
+    </p:spTree>
+    <p:extLst>
+      <p:ext uri="{BB962C8B-B14F-4D97-AF65-F5344CB8AC3E}">
+        <p14:creationId xmlns:p14="http://schemas.microsoft.com/office/powerpoint/2010/main" val="1659720434"/>
+      </p:ext>
+    </p:extLst>
+  </p:cSld>
+  <p:clrMapOvr>
+    <a:masterClrMapping/>
+  </p:clrMapOvr>
+</p:notes>
 </file>
 
 <file path=ppt/slideLayouts/slideLayout1.xml><?xml version="1.0" encoding="utf-8"?>
@@ -155,10 +657,9 @@
           </a:lstStyle>
           <a:p>
             <a:r>
-              <a:rPr lang="fr-FR" smtClean="0"/>
+              <a:rPr lang="fr-FR"/>
               <a:t>Modifiez le style du titre</a:t>
             </a:r>
-            <a:endParaRPr lang="fr-FR"/>
           </a:p>
         </p:txBody>
       </p:sp>
@@ -220,10 +721,9 @@
           </a:lstStyle>
           <a:p>
             <a:r>
-              <a:rPr lang="fr-FR" smtClean="0"/>
+              <a:rPr lang="fr-FR"/>
               <a:t>Modifiez le style des sous-titres du masque</a:t>
             </a:r>
-            <a:endParaRPr lang="fr-FR"/>
           </a:p>
         </p:txBody>
       </p:sp>
@@ -244,7 +744,7 @@
           <a:p>
             <a:fld id="{428C0392-6F0E-4AC0-9880-F2A4B7700FE2}" type="datetimeFigureOut">
               <a:rPr lang="fr-FR" smtClean="0"/>
-              <a:t>18/05/2017</a:t>
+              <a:t>21/10/2017</a:t>
             </a:fld>
             <a:endParaRPr lang="fr-FR"/>
           </a:p>
@@ -338,10 +838,9 @@
           <a:lstStyle/>
           <a:p>
             <a:r>
-              <a:rPr lang="fr-FR" smtClean="0"/>
+              <a:rPr lang="fr-FR"/>
               <a:t>Modifiez le style du titre</a:t>
             </a:r>
-            <a:endParaRPr lang="fr-FR"/>
           </a:p>
         </p:txBody>
       </p:sp>
@@ -362,38 +861,37 @@
           <a:p>
             <a:pPr lvl="0"/>
             <a:r>
-              <a:rPr lang="fr-FR" smtClean="0"/>
+              <a:rPr lang="fr-FR"/>
               <a:t>Modifiez les styles du texte du masque</a:t>
             </a:r>
           </a:p>
           <a:p>
             <a:pPr lvl="1"/>
             <a:r>
-              <a:rPr lang="fr-FR" smtClean="0"/>
+              <a:rPr lang="fr-FR"/>
               <a:t>Deuxième niveau</a:t>
             </a:r>
           </a:p>
           <a:p>
             <a:pPr lvl="2"/>
             <a:r>
-              <a:rPr lang="fr-FR" smtClean="0"/>
+              <a:rPr lang="fr-FR"/>
               <a:t>Troisième niveau</a:t>
             </a:r>
           </a:p>
           <a:p>
             <a:pPr lvl="3"/>
             <a:r>
-              <a:rPr lang="fr-FR" smtClean="0"/>
+              <a:rPr lang="fr-FR"/>
               <a:t>Quatrième niveau</a:t>
             </a:r>
           </a:p>
           <a:p>
             <a:pPr lvl="4"/>
             <a:r>
-              <a:rPr lang="fr-FR" smtClean="0"/>
+              <a:rPr lang="fr-FR"/>
               <a:t>Cinquième niveau</a:t>
             </a:r>
-            <a:endParaRPr lang="fr-FR"/>
           </a:p>
         </p:txBody>
       </p:sp>
@@ -414,7 +912,7 @@
           <a:p>
             <a:fld id="{428C0392-6F0E-4AC0-9880-F2A4B7700FE2}" type="datetimeFigureOut">
               <a:rPr lang="fr-FR" smtClean="0"/>
-              <a:t>18/05/2017</a:t>
+              <a:t>21/10/2017</a:t>
             </a:fld>
             <a:endParaRPr lang="fr-FR"/>
           </a:p>
@@ -513,10 +1011,9 @@
           <a:lstStyle/>
           <a:p>
             <a:r>
-              <a:rPr lang="fr-FR" smtClean="0"/>
+              <a:rPr lang="fr-FR"/>
               <a:t>Modifiez le style du titre</a:t>
             </a:r>
-            <a:endParaRPr lang="fr-FR"/>
           </a:p>
         </p:txBody>
       </p:sp>
@@ -542,38 +1039,37 @@
           <a:p>
             <a:pPr lvl="0"/>
             <a:r>
-              <a:rPr lang="fr-FR" smtClean="0"/>
+              <a:rPr lang="fr-FR"/>
               <a:t>Modifiez les styles du texte du masque</a:t>
             </a:r>
           </a:p>
           <a:p>
             <a:pPr lvl="1"/>
             <a:r>
-              <a:rPr lang="fr-FR" smtClean="0"/>
+              <a:rPr lang="fr-FR"/>
               <a:t>Deuxième niveau</a:t>
             </a:r>
           </a:p>
           <a:p>
             <a:pPr lvl="2"/>
             <a:r>
-              <a:rPr lang="fr-FR" smtClean="0"/>
+              <a:rPr lang="fr-FR"/>
               <a:t>Troisième niveau</a:t>
             </a:r>
           </a:p>
           <a:p>
             <a:pPr lvl="3"/>
             <a:r>
-              <a:rPr lang="fr-FR" smtClean="0"/>
+              <a:rPr lang="fr-FR"/>
               <a:t>Quatrième niveau</a:t>
             </a:r>
           </a:p>
           <a:p>
             <a:pPr lvl="4"/>
             <a:r>
-              <a:rPr lang="fr-FR" smtClean="0"/>
+              <a:rPr lang="fr-FR"/>
               <a:t>Cinquième niveau</a:t>
             </a:r>
-            <a:endParaRPr lang="fr-FR"/>
           </a:p>
         </p:txBody>
       </p:sp>
@@ -594,7 +1090,7 @@
           <a:p>
             <a:fld id="{428C0392-6F0E-4AC0-9880-F2A4B7700FE2}" type="datetimeFigureOut">
               <a:rPr lang="fr-FR" smtClean="0"/>
-              <a:t>18/05/2017</a:t>
+              <a:t>21/10/2017</a:t>
             </a:fld>
             <a:endParaRPr lang="fr-FR"/>
           </a:p>
@@ -688,10 +1184,9 @@
           <a:lstStyle/>
           <a:p>
             <a:r>
-              <a:rPr lang="fr-FR" smtClean="0"/>
+              <a:rPr lang="fr-FR"/>
               <a:t>Modifiez le style du titre</a:t>
             </a:r>
-            <a:endParaRPr lang="fr-FR"/>
           </a:p>
         </p:txBody>
       </p:sp>
@@ -712,38 +1207,37 @@
           <a:p>
             <a:pPr lvl="0"/>
             <a:r>
-              <a:rPr lang="fr-FR" smtClean="0"/>
+              <a:rPr lang="fr-FR"/>
               <a:t>Modifiez les styles du texte du masque</a:t>
             </a:r>
           </a:p>
           <a:p>
             <a:pPr lvl="1"/>
             <a:r>
-              <a:rPr lang="fr-FR" smtClean="0"/>
+              <a:rPr lang="fr-FR"/>
               <a:t>Deuxième niveau</a:t>
             </a:r>
           </a:p>
           <a:p>
             <a:pPr lvl="2"/>
             <a:r>
-              <a:rPr lang="fr-FR" smtClean="0"/>
+              <a:rPr lang="fr-FR"/>
               <a:t>Troisième niveau</a:t>
             </a:r>
           </a:p>
           <a:p>
             <a:pPr lvl="3"/>
             <a:r>
-              <a:rPr lang="fr-FR" smtClean="0"/>
+              <a:rPr lang="fr-FR"/>
               <a:t>Quatrième niveau</a:t>
             </a:r>
           </a:p>
           <a:p>
             <a:pPr lvl="4"/>
             <a:r>
-              <a:rPr lang="fr-FR" smtClean="0"/>
+              <a:rPr lang="fr-FR"/>
               <a:t>Cinquième niveau</a:t>
             </a:r>
-            <a:endParaRPr lang="fr-FR"/>
           </a:p>
         </p:txBody>
       </p:sp>
@@ -764,7 +1258,7 @@
           <a:p>
             <a:fld id="{428C0392-6F0E-4AC0-9880-F2A4B7700FE2}" type="datetimeFigureOut">
               <a:rPr lang="fr-FR" smtClean="0"/>
-              <a:t>18/05/2017</a:t>
+              <a:t>21/10/2017</a:t>
             </a:fld>
             <a:endParaRPr lang="fr-FR"/>
           </a:p>
@@ -867,10 +1361,9 @@
           </a:lstStyle>
           <a:p>
             <a:r>
-              <a:rPr lang="fr-FR" smtClean="0"/>
+              <a:rPr lang="fr-FR"/>
               <a:t>Modifiez le style du titre</a:t>
             </a:r>
-            <a:endParaRPr lang="fr-FR"/>
           </a:p>
         </p:txBody>
       </p:sp>
@@ -987,7 +1480,7 @@
           <a:p>
             <a:pPr lvl="0"/>
             <a:r>
-              <a:rPr lang="fr-FR" smtClean="0"/>
+              <a:rPr lang="fr-FR"/>
               <a:t>Modifiez les styles du texte du masque</a:t>
             </a:r>
           </a:p>
@@ -1010,7 +1503,7 @@
           <a:p>
             <a:fld id="{428C0392-6F0E-4AC0-9880-F2A4B7700FE2}" type="datetimeFigureOut">
               <a:rPr lang="fr-FR" smtClean="0"/>
-              <a:t>18/05/2017</a:t>
+              <a:t>21/10/2017</a:t>
             </a:fld>
             <a:endParaRPr lang="fr-FR"/>
           </a:p>
@@ -1104,10 +1597,9 @@
           <a:lstStyle/>
           <a:p>
             <a:r>
-              <a:rPr lang="fr-FR" smtClean="0"/>
+              <a:rPr lang="fr-FR"/>
               <a:t>Modifiez le style du titre</a:t>
             </a:r>
-            <a:endParaRPr lang="fr-FR"/>
           </a:p>
         </p:txBody>
       </p:sp>
@@ -1133,38 +1625,37 @@
           <a:p>
             <a:pPr lvl="0"/>
             <a:r>
-              <a:rPr lang="fr-FR" smtClean="0"/>
+              <a:rPr lang="fr-FR"/>
               <a:t>Modifiez les styles du texte du masque</a:t>
             </a:r>
           </a:p>
           <a:p>
             <a:pPr lvl="1"/>
             <a:r>
-              <a:rPr lang="fr-FR" smtClean="0"/>
+              <a:rPr lang="fr-FR"/>
               <a:t>Deuxième niveau</a:t>
             </a:r>
           </a:p>
           <a:p>
             <a:pPr lvl="2"/>
             <a:r>
-              <a:rPr lang="fr-FR" smtClean="0"/>
+              <a:rPr lang="fr-FR"/>
               <a:t>Troisième niveau</a:t>
             </a:r>
           </a:p>
           <a:p>
             <a:pPr lvl="3"/>
             <a:r>
-              <a:rPr lang="fr-FR" smtClean="0"/>
+              <a:rPr lang="fr-FR"/>
               <a:t>Quatrième niveau</a:t>
             </a:r>
           </a:p>
           <a:p>
             <a:pPr lvl="4"/>
             <a:r>
-              <a:rPr lang="fr-FR" smtClean="0"/>
+              <a:rPr lang="fr-FR"/>
               <a:t>Cinquième niveau</a:t>
             </a:r>
-            <a:endParaRPr lang="fr-FR"/>
           </a:p>
         </p:txBody>
       </p:sp>
@@ -1190,38 +1681,37 @@
           <a:p>
             <a:pPr lvl="0"/>
             <a:r>
-              <a:rPr lang="fr-FR" smtClean="0"/>
+              <a:rPr lang="fr-FR"/>
               <a:t>Modifiez les styles du texte du masque</a:t>
             </a:r>
           </a:p>
           <a:p>
             <a:pPr lvl="1"/>
             <a:r>
-              <a:rPr lang="fr-FR" smtClean="0"/>
+              <a:rPr lang="fr-FR"/>
               <a:t>Deuxième niveau</a:t>
             </a:r>
           </a:p>
           <a:p>
             <a:pPr lvl="2"/>
             <a:r>
-              <a:rPr lang="fr-FR" smtClean="0"/>
+              <a:rPr lang="fr-FR"/>
               <a:t>Troisième niveau</a:t>
             </a:r>
           </a:p>
           <a:p>
             <a:pPr lvl="3"/>
             <a:r>
-              <a:rPr lang="fr-FR" smtClean="0"/>
+              <a:rPr lang="fr-FR"/>
               <a:t>Quatrième niveau</a:t>
             </a:r>
           </a:p>
           <a:p>
             <a:pPr lvl="4"/>
             <a:r>
-              <a:rPr lang="fr-FR" smtClean="0"/>
+              <a:rPr lang="fr-FR"/>
               <a:t>Cinquième niveau</a:t>
             </a:r>
-            <a:endParaRPr lang="fr-FR"/>
           </a:p>
         </p:txBody>
       </p:sp>
@@ -1242,7 +1732,7 @@
           <a:p>
             <a:fld id="{428C0392-6F0E-4AC0-9880-F2A4B7700FE2}" type="datetimeFigureOut">
               <a:rPr lang="fr-FR" smtClean="0"/>
-              <a:t>18/05/2017</a:t>
+              <a:t>21/10/2017</a:t>
             </a:fld>
             <a:endParaRPr lang="fr-FR"/>
           </a:p>
@@ -1341,10 +1831,9 @@
           <a:lstStyle/>
           <a:p>
             <a:r>
-              <a:rPr lang="fr-FR" smtClean="0"/>
+              <a:rPr lang="fr-FR"/>
               <a:t>Modifiez le style du titre</a:t>
             </a:r>
-            <a:endParaRPr lang="fr-FR"/>
           </a:p>
         </p:txBody>
       </p:sp>
@@ -1407,7 +1896,7 @@
           <a:p>
             <a:pPr lvl="0"/>
             <a:r>
-              <a:rPr lang="fr-FR" smtClean="0"/>
+              <a:rPr lang="fr-FR"/>
               <a:t>Modifiez les styles du texte du masque</a:t>
             </a:r>
           </a:p>
@@ -1435,38 +1924,37 @@
           <a:p>
             <a:pPr lvl="0"/>
             <a:r>
-              <a:rPr lang="fr-FR" smtClean="0"/>
+              <a:rPr lang="fr-FR"/>
               <a:t>Modifiez les styles du texte du masque</a:t>
             </a:r>
           </a:p>
           <a:p>
             <a:pPr lvl="1"/>
             <a:r>
-              <a:rPr lang="fr-FR" smtClean="0"/>
+              <a:rPr lang="fr-FR"/>
               <a:t>Deuxième niveau</a:t>
             </a:r>
           </a:p>
           <a:p>
             <a:pPr lvl="2"/>
             <a:r>
-              <a:rPr lang="fr-FR" smtClean="0"/>
+              <a:rPr lang="fr-FR"/>
               <a:t>Troisième niveau</a:t>
             </a:r>
           </a:p>
           <a:p>
             <a:pPr lvl="3"/>
             <a:r>
-              <a:rPr lang="fr-FR" smtClean="0"/>
+              <a:rPr lang="fr-FR"/>
               <a:t>Quatrième niveau</a:t>
             </a:r>
           </a:p>
           <a:p>
             <a:pPr lvl="4"/>
             <a:r>
-              <a:rPr lang="fr-FR" smtClean="0"/>
+              <a:rPr lang="fr-FR"/>
               <a:t>Cinquième niveau</a:t>
             </a:r>
-            <a:endParaRPr lang="fr-FR"/>
           </a:p>
         </p:txBody>
       </p:sp>
@@ -1529,7 +2017,7 @@
           <a:p>
             <a:pPr lvl="0"/>
             <a:r>
-              <a:rPr lang="fr-FR" smtClean="0"/>
+              <a:rPr lang="fr-FR"/>
               <a:t>Modifiez les styles du texte du masque</a:t>
             </a:r>
           </a:p>
@@ -1557,38 +2045,37 @@
           <a:p>
             <a:pPr lvl="0"/>
             <a:r>
-              <a:rPr lang="fr-FR" smtClean="0"/>
+              <a:rPr lang="fr-FR"/>
               <a:t>Modifiez les styles du texte du masque</a:t>
             </a:r>
           </a:p>
           <a:p>
             <a:pPr lvl="1"/>
             <a:r>
-              <a:rPr lang="fr-FR" smtClean="0"/>
+              <a:rPr lang="fr-FR"/>
               <a:t>Deuxième niveau</a:t>
             </a:r>
           </a:p>
           <a:p>
             <a:pPr lvl="2"/>
             <a:r>
-              <a:rPr lang="fr-FR" smtClean="0"/>
+              <a:rPr lang="fr-FR"/>
               <a:t>Troisième niveau</a:t>
             </a:r>
           </a:p>
           <a:p>
             <a:pPr lvl="3"/>
             <a:r>
-              <a:rPr lang="fr-FR" smtClean="0"/>
+              <a:rPr lang="fr-FR"/>
               <a:t>Quatrième niveau</a:t>
             </a:r>
           </a:p>
           <a:p>
             <a:pPr lvl="4"/>
             <a:r>
-              <a:rPr lang="fr-FR" smtClean="0"/>
+              <a:rPr lang="fr-FR"/>
               <a:t>Cinquième niveau</a:t>
             </a:r>
-            <a:endParaRPr lang="fr-FR"/>
           </a:p>
         </p:txBody>
       </p:sp>
@@ -1609,7 +2096,7 @@
           <a:p>
             <a:fld id="{428C0392-6F0E-4AC0-9880-F2A4B7700FE2}" type="datetimeFigureOut">
               <a:rPr lang="fr-FR" smtClean="0"/>
-              <a:t>18/05/2017</a:t>
+              <a:t>21/10/2017</a:t>
             </a:fld>
             <a:endParaRPr lang="fr-FR"/>
           </a:p>
@@ -1703,10 +2190,9 @@
           <a:lstStyle/>
           <a:p>
             <a:r>
-              <a:rPr lang="fr-FR" smtClean="0"/>
+              <a:rPr lang="fr-FR"/>
               <a:t>Modifiez le style du titre</a:t>
             </a:r>
-            <a:endParaRPr lang="fr-FR"/>
           </a:p>
         </p:txBody>
       </p:sp>
@@ -1727,7 +2213,7 @@
           <a:p>
             <a:fld id="{428C0392-6F0E-4AC0-9880-F2A4B7700FE2}" type="datetimeFigureOut">
               <a:rPr lang="fr-FR" smtClean="0"/>
-              <a:t>18/05/2017</a:t>
+              <a:t>21/10/2017</a:t>
             </a:fld>
             <a:endParaRPr lang="fr-FR"/>
           </a:p>
@@ -1822,7 +2308,7 @@
           <a:p>
             <a:fld id="{428C0392-6F0E-4AC0-9880-F2A4B7700FE2}" type="datetimeFigureOut">
               <a:rPr lang="fr-FR" smtClean="0"/>
-              <a:t>18/05/2017</a:t>
+              <a:t>21/10/2017</a:t>
             </a:fld>
             <a:endParaRPr lang="fr-FR"/>
           </a:p>
@@ -1925,10 +2411,9 @@
           </a:lstStyle>
           <a:p>
             <a:r>
-              <a:rPr lang="fr-FR" smtClean="0"/>
+              <a:rPr lang="fr-FR"/>
               <a:t>Modifiez le style du titre</a:t>
             </a:r>
-            <a:endParaRPr lang="fr-FR"/>
           </a:p>
         </p:txBody>
       </p:sp>
@@ -1982,38 +2467,37 @@
           <a:p>
             <a:pPr lvl="0"/>
             <a:r>
-              <a:rPr lang="fr-FR" smtClean="0"/>
+              <a:rPr lang="fr-FR"/>
               <a:t>Modifiez les styles du texte du masque</a:t>
             </a:r>
           </a:p>
           <a:p>
             <a:pPr lvl="1"/>
             <a:r>
-              <a:rPr lang="fr-FR" smtClean="0"/>
+              <a:rPr lang="fr-FR"/>
               <a:t>Deuxième niveau</a:t>
             </a:r>
           </a:p>
           <a:p>
             <a:pPr lvl="2"/>
             <a:r>
-              <a:rPr lang="fr-FR" smtClean="0"/>
+              <a:rPr lang="fr-FR"/>
               <a:t>Troisième niveau</a:t>
             </a:r>
           </a:p>
           <a:p>
             <a:pPr lvl="3"/>
             <a:r>
-              <a:rPr lang="fr-FR" smtClean="0"/>
+              <a:rPr lang="fr-FR"/>
               <a:t>Quatrième niveau</a:t>
             </a:r>
           </a:p>
           <a:p>
             <a:pPr lvl="4"/>
             <a:r>
-              <a:rPr lang="fr-FR" smtClean="0"/>
+              <a:rPr lang="fr-FR"/>
               <a:t>Cinquième niveau</a:t>
             </a:r>
-            <a:endParaRPr lang="fr-FR"/>
           </a:p>
         </p:txBody>
       </p:sp>
@@ -2076,7 +2560,7 @@
           <a:p>
             <a:pPr lvl="0"/>
             <a:r>
-              <a:rPr lang="fr-FR" smtClean="0"/>
+              <a:rPr lang="fr-FR"/>
               <a:t>Modifiez les styles du texte du masque</a:t>
             </a:r>
           </a:p>
@@ -2099,7 +2583,7 @@
           <a:p>
             <a:fld id="{428C0392-6F0E-4AC0-9880-F2A4B7700FE2}" type="datetimeFigureOut">
               <a:rPr lang="fr-FR" smtClean="0"/>
-              <a:t>18/05/2017</a:t>
+              <a:t>21/10/2017</a:t>
             </a:fld>
             <a:endParaRPr lang="fr-FR"/>
           </a:p>
@@ -2202,10 +2686,9 @@
           </a:lstStyle>
           <a:p>
             <a:r>
-              <a:rPr lang="fr-FR" smtClean="0"/>
+              <a:rPr lang="fr-FR"/>
               <a:t>Modifiez le style du titre</a:t>
             </a:r>
-            <a:endParaRPr lang="fr-FR"/>
           </a:p>
         </p:txBody>
       </p:sp>
@@ -2329,7 +2812,7 @@
           <a:p>
             <a:pPr lvl="0"/>
             <a:r>
-              <a:rPr lang="fr-FR" smtClean="0"/>
+              <a:rPr lang="fr-FR"/>
               <a:t>Modifiez les styles du texte du masque</a:t>
             </a:r>
           </a:p>
@@ -2352,7 +2835,7 @@
           <a:p>
             <a:fld id="{428C0392-6F0E-4AC0-9880-F2A4B7700FE2}" type="datetimeFigureOut">
               <a:rPr lang="fr-FR" smtClean="0"/>
-              <a:t>18/05/2017</a:t>
+              <a:t>21/10/2017</a:t>
             </a:fld>
             <a:endParaRPr lang="fr-FR"/>
           </a:p>
@@ -2461,10 +2944,9 @@
           <a:lstStyle/>
           <a:p>
             <a:r>
-              <a:rPr lang="fr-FR" smtClean="0"/>
+              <a:rPr lang="fr-FR"/>
               <a:t>Modifiez le style du titre</a:t>
             </a:r>
-            <a:endParaRPr lang="fr-FR"/>
           </a:p>
         </p:txBody>
       </p:sp>
@@ -2495,38 +2977,37 @@
           <a:p>
             <a:pPr lvl="0"/>
             <a:r>
-              <a:rPr lang="fr-FR" smtClean="0"/>
+              <a:rPr lang="fr-FR"/>
               <a:t>Modifiez les styles du texte du masque</a:t>
             </a:r>
           </a:p>
           <a:p>
             <a:pPr lvl="1"/>
             <a:r>
-              <a:rPr lang="fr-FR" smtClean="0"/>
+              <a:rPr lang="fr-FR"/>
               <a:t>Deuxième niveau</a:t>
             </a:r>
           </a:p>
           <a:p>
             <a:pPr lvl="2"/>
             <a:r>
-              <a:rPr lang="fr-FR" smtClean="0"/>
+              <a:rPr lang="fr-FR"/>
               <a:t>Troisième niveau</a:t>
             </a:r>
           </a:p>
           <a:p>
             <a:pPr lvl="3"/>
             <a:r>
-              <a:rPr lang="fr-FR" smtClean="0"/>
+              <a:rPr lang="fr-FR"/>
               <a:t>Quatrième niveau</a:t>
             </a:r>
           </a:p>
           <a:p>
             <a:pPr lvl="4"/>
             <a:r>
-              <a:rPr lang="fr-FR" smtClean="0"/>
+              <a:rPr lang="fr-FR"/>
               <a:t>Cinquième niveau</a:t>
             </a:r>
-            <a:endParaRPr lang="fr-FR"/>
           </a:p>
         </p:txBody>
       </p:sp>
@@ -2565,7 +3046,7 @@
           <a:p>
             <a:fld id="{428C0392-6F0E-4AC0-9880-F2A4B7700FE2}" type="datetimeFigureOut">
               <a:rPr lang="fr-FR" smtClean="0"/>
-              <a:t>18/05/2017</a:t>
+              <a:t>21/10/2017</a:t>
             </a:fld>
             <a:endParaRPr lang="fr-FR"/>
           </a:p>
@@ -2979,7 +3460,7 @@
           <p:nvPr/>
         </p:nvPicPr>
         <p:blipFill rotWithShape="1">
-          <a:blip r:embed="rId2"/>
+          <a:blip r:embed="rId3"/>
           <a:srcRect t="24719"/>
           <a:stretch/>
         </p:blipFill>
@@ -3002,7 +3483,7 @@
           <p:nvPr/>
         </p:nvPicPr>
         <p:blipFill>
-          <a:blip r:embed="rId3"/>
+          <a:blip r:embed="rId4"/>
           <a:stretch>
             <a:fillRect/>
           </a:stretch>
@@ -3074,7 +3555,7 @@
           <p:nvPr/>
         </p:nvPicPr>
         <p:blipFill>
-          <a:blip r:embed="rId4" cstate="print">
+          <a:blip r:embed="rId5" cstate="print">
             <a:extLst>
               <a:ext uri="{28A0092B-C50C-407E-A947-70E740481C1C}">
                 <a14:useLocalDpi xmlns:a14="http://schemas.microsoft.com/office/drawing/2010/main" val="0"/>
@@ -3119,7 +3600,7 @@
           <a:p>
             <a:pPr algn="ctr"/>
             <a:r>
-              <a:rPr lang="fr-FR" sz="2800" b="1" i="1" dirty="0" smtClean="0">
+              <a:rPr lang="fr-FR" sz="2800" b="1" i="1" dirty="0">
                 <a:ln w="6350">
                   <a:solidFill>
                     <a:srgbClr val="314B9F"/>
@@ -3165,7 +3646,7 @@
           <p:nvPr/>
         </p:nvPicPr>
         <p:blipFill>
-          <a:blip r:embed="rId5"/>
+          <a:blip r:embed="rId6"/>
           <a:stretch>
             <a:fillRect/>
           </a:stretch>
@@ -3291,10 +3772,6 @@
               <a:rPr lang="fr-FR" sz="6700" dirty="0"/>
               <a:t> ?</a:t>
             </a:r>
-            <a:r>
-              <a:rPr lang="fr-FR" dirty="0"/>
-              <a:t/>
-            </a:r>
             <a:br>
               <a:rPr lang="fr-FR" dirty="0"/>
             </a:br>
@@ -3321,13 +3798,8 @@
             </a:br>
             <a:r>
               <a:rPr lang="fr-FR" sz="3600" dirty="0"/>
-              <a:t>Son but : un vécu authentique de disciples </a:t>
-            </a:r>
-            <a:r>
-              <a:rPr lang="fr-FR" sz="3600" dirty="0" smtClean="0"/>
-              <a:t>contagieux!</a:t>
-            </a:r>
-            <a:endParaRPr lang="fr-FR" sz="3600" dirty="0"/>
+              <a:t>Son but : un vécu authentique de disciples contagieux!</a:t>
+            </a:r>
           </a:p>
         </p:txBody>
       </p:sp>
@@ -3377,7 +3849,7 @@
           <a:p>
             <a:pPr algn="ctr"/>
             <a:r>
-              <a:rPr lang="fr-FR" sz="1400" b="0" i="0" u="none" strike="noStrike" baseline="0" dirty="0" smtClean="0">
+              <a:rPr lang="fr-FR" sz="1400" b="0" i="0" u="none" strike="noStrike" baseline="0" dirty="0">
                 <a:solidFill>
                   <a:srgbClr val="FFE804"/>
                 </a:solidFill>
@@ -3389,7 +3861,7 @@
           <a:p>
             <a:pPr algn="ctr"/>
             <a:r>
-              <a:rPr lang="fr-FR" sz="1400" b="0" i="0" u="none" strike="noStrike" baseline="0" dirty="0" smtClean="0">
+              <a:rPr lang="fr-FR" sz="1400" b="0" i="0" u="none" strike="noStrike" baseline="0" dirty="0">
                 <a:solidFill>
                   <a:srgbClr val="FFE804"/>
                 </a:solidFill>
@@ -3401,7 +3873,7 @@
           <a:p>
             <a:pPr algn="ctr"/>
             <a:r>
-              <a:rPr lang="fr-FR" sz="1400" b="0" i="0" u="none" strike="noStrike" baseline="0" dirty="0" smtClean="0">
+              <a:rPr lang="fr-FR" sz="1400" b="0" i="0" u="none" strike="noStrike" baseline="0" dirty="0">
                 <a:solidFill>
                   <a:srgbClr val="FFE804"/>
                 </a:solidFill>
@@ -3466,44 +3938,36 @@
           <a:lstStyle/>
           <a:p>
             <a:r>
-              <a:rPr lang="fr-FR" sz="6000" b="1" dirty="0" smtClean="0">
+              <a:rPr lang="fr-FR" sz="6000" b="1" dirty="0">
                 <a:solidFill>
                   <a:srgbClr val="FF0000"/>
                 </a:solidFill>
               </a:rPr>
               <a:t>Pour commencer</a:t>
-            </a:r>
-            <a:r>
-              <a:rPr lang="fr-FR" dirty="0" smtClean="0"/>
-              <a:t/>
-            </a:r>
-            <a:br>
-              <a:rPr lang="fr-FR" dirty="0" smtClean="0"/>
-            </a:br>
-            <a:r>
-              <a:rPr lang="fr-FR" dirty="0"/>
-              <a:t/>
             </a:r>
             <a:br>
               <a:rPr lang="fr-FR" dirty="0"/>
             </a:br>
-            <a:r>
-              <a:rPr lang="fr-FR" dirty="0" smtClean="0"/>
+            <a:br>
+              <a:rPr lang="fr-FR" dirty="0"/>
+            </a:br>
+            <a:r>
+              <a:rPr lang="fr-FR" dirty="0"/>
               <a:t>-Prier pour que Dieu m’inspire un partenaire spirituel :</a:t>
             </a:r>
             <a:br>
-              <a:rPr lang="fr-FR" dirty="0" smtClean="0"/>
+              <a:rPr lang="fr-FR" dirty="0"/>
             </a:br>
             <a:r>
-              <a:rPr lang="fr-FR" dirty="0" smtClean="0"/>
+              <a:rPr lang="fr-FR" dirty="0"/>
               <a:t>	</a:t>
             </a:r>
             <a:r>
-              <a:rPr lang="fr-FR" sz="3600" dirty="0" smtClean="0"/>
+              <a:rPr lang="fr-FR" sz="3600" dirty="0"/>
               <a:t>« Seigneur, avec qui pourrais-je grandir dans ma foi ? 	Avec qui est-ce que je me sens </a:t>
             </a:r>
             <a:r>
-              <a:rPr lang="fr-FR" sz="3600" b="1" dirty="0" smtClean="0">
+              <a:rPr lang="fr-FR" sz="3600" b="1" dirty="0">
                 <a:solidFill>
                   <a:srgbClr val="FF0000"/>
                 </a:solidFill>
@@ -3511,18 +3975,18 @@
               <a:t>en confiance </a:t>
             </a:r>
             <a:r>
-              <a:rPr lang="fr-FR" sz="3600" dirty="0" smtClean="0"/>
+              <a:rPr lang="fr-FR" sz="3600" dirty="0"/>
               <a:t>pour être 	authentique et désireux d’aller plus loin avec toi ? 	</a:t>
             </a:r>
             <a:br>
-              <a:rPr lang="fr-FR" sz="3600" dirty="0" smtClean="0"/>
+              <a:rPr lang="fr-FR" sz="3600" dirty="0"/>
             </a:br>
             <a:r>
-              <a:rPr lang="fr-FR" sz="3600" dirty="0" smtClean="0"/>
+              <a:rPr lang="fr-FR" sz="3600" dirty="0"/>
               <a:t>	Merci parce que tu me montres la voix, tu m’inspires, 	</a:t>
             </a:r>
             <a:r>
-              <a:rPr lang="fr-FR" sz="3600" b="1" dirty="0" smtClean="0">
+              <a:rPr lang="fr-FR" sz="3600" b="1" dirty="0">
                 <a:solidFill>
                   <a:srgbClr val="FF0000"/>
                 </a:solidFill>
@@ -3530,10 +3994,9 @@
               <a:t>dans le temps qui est le tiens.</a:t>
             </a:r>
             <a:r>
-              <a:rPr lang="fr-FR" sz="3600" dirty="0" smtClean="0"/>
+              <a:rPr lang="fr-FR" sz="3600" dirty="0"/>
               <a:t> »</a:t>
             </a:r>
-            <a:endParaRPr lang="fr-FR" sz="3600" dirty="0"/>
           </a:p>
         </p:txBody>
       </p:sp>
@@ -3637,23 +4100,19 @@
           <a:lstStyle/>
           <a:p>
             <a:r>
-              <a:rPr lang="fr-FR" dirty="0" smtClean="0"/>
+              <a:rPr lang="fr-FR" dirty="0"/>
               <a:t>Les trois étapes du </a:t>
             </a:r>
             <a:r>
-              <a:rPr lang="fr-FR" sz="8000" dirty="0" smtClean="0">
+              <a:rPr lang="fr-FR" sz="8000" dirty="0">
                 <a:solidFill>
                   <a:srgbClr val="FF0000"/>
                 </a:solidFill>
               </a:rPr>
               <a:t>GDC </a:t>
             </a:r>
-            <a:r>
-              <a:rPr lang="fr-FR" dirty="0" smtClean="0"/>
-              <a:t/>
-            </a:r>
             <a:br>
-              <a:rPr lang="fr-FR" dirty="0" smtClean="0"/>
+              <a:rPr lang="fr-FR" dirty="0"/>
             </a:br>
             <a:endParaRPr lang="fr-FR" dirty="0"/>
           </a:p>
@@ -3682,12 +4141,8 @@
           <a:lstStyle/>
           <a:p>
             <a:r>
-              <a:rPr lang="fr-FR" dirty="0" smtClean="0"/>
-              <a:t>1.Temps </a:t>
-            </a:r>
-            <a:r>
               <a:rPr lang="fr-FR" dirty="0"/>
-              <a:t>de partage</a:t>
+              <a:t>1.Temps de partage</a:t>
             </a:r>
           </a:p>
           <a:p>
@@ -3741,36 +4196,20 @@
           <a:lstStyle/>
           <a:p>
             <a:r>
-              <a:rPr lang="fr-FR" dirty="0" smtClean="0"/>
-              <a:t>2. Prier l’un </a:t>
-            </a:r>
-            <a:r>
               <a:rPr lang="fr-FR" dirty="0"/>
-              <a:t>pour</a:t>
+              <a:t>2. Prier l’un pour</a:t>
             </a:r>
           </a:p>
           <a:p>
             <a:r>
               <a:rPr lang="fr-FR" dirty="0"/>
-              <a:t>l’autre, et pour </a:t>
-            </a:r>
-            <a:r>
-              <a:rPr lang="fr-FR" dirty="0" smtClean="0"/>
-              <a:t>deux </a:t>
-            </a:r>
+              <a:t>l’autre, et pour deux ou</a:t>
+            </a:r>
+          </a:p>
+          <a:p>
             <a:r>
               <a:rPr lang="fr-FR" dirty="0"/>
-              <a:t>ou</a:t>
-            </a:r>
-          </a:p>
-          <a:p>
-            <a:r>
-              <a:rPr lang="fr-FR" dirty="0" smtClean="0"/>
-              <a:t>trois </a:t>
-            </a:r>
-            <a:r>
-              <a:rPr lang="fr-FR" dirty="0"/>
-              <a:t>autres personnes.</a:t>
+              <a:t>trois autres personnes.</a:t>
             </a:r>
           </a:p>
           <a:p>
@@ -3828,12 +4267,8 @@
           <a:lstStyle/>
           <a:p>
             <a:r>
-              <a:rPr lang="fr-FR" dirty="0" smtClean="0"/>
-              <a:t>3. Lecture </a:t>
-            </a:r>
-            <a:r>
               <a:rPr lang="fr-FR" dirty="0"/>
-              <a:t>quotidienne</a:t>
+              <a:t>3. Lecture quotidienne</a:t>
             </a:r>
           </a:p>
           <a:p>
@@ -4068,10 +4503,9 @@
           <a:lstStyle/>
           <a:p>
             <a:r>
-              <a:rPr lang="fr-FR" dirty="0" smtClean="0"/>
+              <a:rPr lang="fr-FR" dirty="0"/>
               <a:t>1 heure par semaine</a:t>
             </a:r>
-            <a:endParaRPr lang="fr-FR" dirty="0"/>
           </a:p>
         </p:txBody>
       </p:sp>
@@ -4128,23 +4562,19 @@
           <a:lstStyle/>
           <a:p>
             <a:r>
-              <a:rPr lang="fr-FR" sz="3200" dirty="0" smtClean="0"/>
+              <a:rPr lang="fr-FR" sz="3200" dirty="0"/>
               <a:t>1. Temps de partage </a:t>
             </a:r>
             <a:r>
-              <a:rPr lang="fr-FR" sz="6600" dirty="0" smtClean="0">
+              <a:rPr lang="fr-FR" sz="6600" dirty="0">
                 <a:solidFill>
                   <a:srgbClr val="FF0000"/>
                 </a:solidFill>
               </a:rPr>
               <a:t>authentique</a:t>
             </a:r>
-            <a:r>
-              <a:rPr lang="fr-FR" sz="3200" dirty="0" smtClean="0"/>
-              <a:t/>
-            </a:r>
             <a:br>
-              <a:rPr lang="fr-FR" sz="3200" dirty="0" smtClean="0"/>
+              <a:rPr lang="fr-FR" sz="3200" dirty="0"/>
             </a:br>
             <a:endParaRPr lang="fr-FR" sz="3200" dirty="0"/>
           </a:p>
@@ -4205,7 +4635,7 @@
           <a:lstStyle/>
           <a:p>
             <a:r>
-              <a:rPr lang="fr-FR" sz="2400" b="0" i="0" u="none" strike="noStrike" baseline="0" dirty="0" smtClean="0">
+              <a:rPr lang="fr-FR" sz="2400" b="0" i="0" u="none" strike="noStrike" baseline="0" dirty="0">
                 <a:solidFill>
                   <a:srgbClr val="000000"/>
                 </a:solidFill>
@@ -4214,7 +4644,7 @@
               <a:t>Exemple de questions</a:t>
             </a:r>
             <a:r>
-              <a:rPr lang="fr-FR" sz="2400" b="0" i="0" u="none" strike="noStrike" dirty="0" smtClean="0">
+              <a:rPr lang="fr-FR" sz="2400" b="0" i="0" u="none" strike="noStrike" dirty="0">
                 <a:solidFill>
                   <a:srgbClr val="000000"/>
                 </a:solidFill>
@@ -4223,7 +4653,7 @@
               <a:t> </a:t>
             </a:r>
             <a:r>
-              <a:rPr lang="fr-FR" sz="2400" b="0" i="0" u="none" strike="noStrike" baseline="0" dirty="0" smtClean="0">
+              <a:rPr lang="fr-FR" sz="2400" b="0" i="0" u="none" strike="noStrike" baseline="0" dirty="0">
                 <a:solidFill>
                   <a:srgbClr val="000000"/>
                 </a:solidFill>
@@ -4233,7 +4663,7 @@
             </a:r>
           </a:p>
           <a:p>
-            <a:endParaRPr lang="fr-FR" sz="2400" b="0" i="0" u="none" strike="noStrike" baseline="0" dirty="0" smtClean="0">
+            <a:endParaRPr lang="fr-FR" sz="2400" b="0" i="0" u="none" strike="noStrike" baseline="0" dirty="0">
               <a:solidFill>
                 <a:srgbClr val="000000"/>
               </a:solidFill>
@@ -4247,7 +4677,7 @@
               </a:lnSpc>
             </a:pPr>
             <a:r>
-              <a:rPr lang="fr-FR" b="0" i="0" u="none" strike="noStrike" baseline="0" dirty="0" smtClean="0">
+              <a:rPr lang="fr-FR" b="0" i="0" u="none" strike="noStrike" baseline="0" dirty="0">
                 <a:solidFill>
                   <a:srgbClr val="000000"/>
                 </a:solidFill>
@@ -4256,7 +4686,7 @@
               <a:t>1.</a:t>
             </a:r>
             <a:r>
-              <a:rPr lang="fr-FR" b="0" i="0" u="none" strike="noStrike" dirty="0" smtClean="0">
+              <a:rPr lang="fr-FR" b="0" i="0" u="none" strike="noStrike" dirty="0">
                 <a:solidFill>
                   <a:srgbClr val="000000"/>
                 </a:solidFill>
@@ -4265,7 +4695,7 @@
               <a:t> </a:t>
             </a:r>
             <a:r>
-              <a:rPr lang="fr-FR" b="0" i="0" u="none" strike="noStrike" baseline="0" dirty="0" smtClean="0">
+              <a:rPr lang="fr-FR" b="0" i="0" u="none" strike="noStrike" baseline="0" dirty="0">
                 <a:solidFill>
                   <a:srgbClr val="000000"/>
                 </a:solidFill>
@@ -4274,7 +4704,7 @@
               <a:t>Comment Dieu s’est-il </a:t>
             </a:r>
             <a:r>
-              <a:rPr lang="fr-FR" b="0" i="0" u="none" strike="noStrike" baseline="0" dirty="0" smtClean="0">
+              <a:rPr lang="fr-FR" b="0" i="0" u="none" strike="noStrike" baseline="0" dirty="0">
                 <a:solidFill>
                   <a:srgbClr val="DA0000"/>
                 </a:solidFill>
@@ -4283,7 +4713,7 @@
               <a:t>manifesté </a:t>
             </a:r>
             <a:r>
-              <a:rPr lang="fr-FR" b="0" i="0" u="none" strike="noStrike" baseline="0" dirty="0" smtClean="0">
+              <a:rPr lang="fr-FR" b="0" i="0" u="none" strike="noStrike" baseline="0" dirty="0">
                 <a:solidFill>
                   <a:srgbClr val="000000"/>
                 </a:solidFill>
@@ -4292,7 +4722,7 @@
               <a:t>dans</a:t>
             </a:r>
             <a:r>
-              <a:rPr lang="fr-FR" b="0" i="0" u="none" strike="noStrike" dirty="0" smtClean="0">
+              <a:rPr lang="fr-FR" b="0" i="0" u="none" strike="noStrike" dirty="0">
                 <a:solidFill>
                   <a:srgbClr val="000000"/>
                 </a:solidFill>
@@ -4301,7 +4731,7 @@
               <a:t> </a:t>
             </a:r>
             <a:r>
-              <a:rPr lang="fr-FR" b="0" i="0" u="none" strike="noStrike" baseline="0" dirty="0" smtClean="0">
+              <a:rPr lang="fr-FR" b="0" i="0" u="none" strike="noStrike" baseline="0" dirty="0">
                 <a:solidFill>
                   <a:srgbClr val="000000"/>
                 </a:solidFill>
@@ -4317,7 +4747,7 @@
               </a:lnSpc>
             </a:pPr>
             <a:r>
-              <a:rPr lang="fr-FR" b="0" i="0" u="none" strike="noStrike" baseline="0" dirty="0" smtClean="0">
+              <a:rPr lang="fr-FR" b="0" i="0" u="none" strike="noStrike" baseline="0" dirty="0">
                 <a:solidFill>
                   <a:srgbClr val="000000"/>
                 </a:solidFill>
@@ -4326,7 +4756,7 @@
               <a:t>2.</a:t>
             </a:r>
             <a:r>
-              <a:rPr lang="fr-FR" b="0" i="0" u="none" strike="noStrike" dirty="0" smtClean="0">
+              <a:rPr lang="fr-FR" b="0" i="0" u="none" strike="noStrike" dirty="0">
                 <a:solidFill>
                   <a:srgbClr val="000000"/>
                 </a:solidFill>
@@ -4335,7 +4765,7 @@
               <a:t> </a:t>
             </a:r>
             <a:r>
-              <a:rPr lang="fr-FR" b="0" i="0" u="none" strike="noStrike" baseline="0" dirty="0" smtClean="0">
+              <a:rPr lang="fr-FR" b="0" i="0" u="none" strike="noStrike" baseline="0" dirty="0">
                 <a:solidFill>
                   <a:srgbClr val="000000"/>
                 </a:solidFill>
@@ -4344,7 +4774,7 @@
               <a:t>Qu’est-il en train de </a:t>
             </a:r>
             <a:r>
-              <a:rPr lang="fr-FR" b="0" i="0" u="none" strike="noStrike" baseline="0" dirty="0" smtClean="0">
+              <a:rPr lang="fr-FR" b="0" i="0" u="none" strike="noStrike" baseline="0" dirty="0">
                 <a:solidFill>
                   <a:srgbClr val="DA0000"/>
                 </a:solidFill>
@@ -4353,7 +4783,7 @@
               <a:t>t’enseigner </a:t>
             </a:r>
             <a:r>
-              <a:rPr lang="fr-FR" b="0" i="0" u="none" strike="noStrike" baseline="0" dirty="0" smtClean="0">
+              <a:rPr lang="fr-FR" b="0" i="0" u="none" strike="noStrike" baseline="0" dirty="0">
                 <a:solidFill>
                   <a:srgbClr val="000000"/>
                 </a:solidFill>
@@ -4369,7 +4799,7 @@
               </a:lnSpc>
             </a:pPr>
             <a:r>
-              <a:rPr lang="fr-FR" b="0" i="0" u="none" strike="noStrike" baseline="0" dirty="0" smtClean="0">
+              <a:rPr lang="fr-FR" b="0" i="0" u="none" strike="noStrike" baseline="0" dirty="0">
                 <a:solidFill>
                   <a:srgbClr val="000000"/>
                 </a:solidFill>
@@ -4378,7 +4808,7 @@
               <a:t>3.</a:t>
             </a:r>
             <a:r>
-              <a:rPr lang="fr-FR" b="0" i="0" u="none" strike="noStrike" dirty="0" smtClean="0">
+              <a:rPr lang="fr-FR" b="0" i="0" u="none" strike="noStrike" dirty="0">
                 <a:solidFill>
                   <a:srgbClr val="000000"/>
                 </a:solidFill>
@@ -4387,7 +4817,7 @@
               <a:t> </a:t>
             </a:r>
             <a:r>
-              <a:rPr lang="fr-FR" b="0" i="0" u="none" strike="noStrike" baseline="0" dirty="0" smtClean="0">
+              <a:rPr lang="fr-FR" b="0" i="0" u="none" strike="noStrike" baseline="0" dirty="0">
                 <a:solidFill>
                   <a:srgbClr val="000000"/>
                 </a:solidFill>
@@ -4396,7 +4826,7 @@
               <a:t>Comment réponds-tu à son encouragement</a:t>
             </a:r>
             <a:r>
-              <a:rPr lang="fr-FR" b="0" i="0" u="none" strike="noStrike" dirty="0" smtClean="0">
+              <a:rPr lang="fr-FR" b="0" i="0" u="none" strike="noStrike" dirty="0">
                 <a:solidFill>
                   <a:srgbClr val="000000"/>
                 </a:solidFill>
@@ -4405,7 +4835,7 @@
               <a:t> </a:t>
             </a:r>
             <a:r>
-              <a:rPr lang="fr-FR" b="0" i="0" u="none" strike="noStrike" baseline="0" dirty="0" smtClean="0">
+              <a:rPr lang="fr-FR" b="0" i="0" u="none" strike="noStrike" baseline="0" dirty="0">
                 <a:solidFill>
                   <a:srgbClr val="000000"/>
                 </a:solidFill>
@@ -4414,7 +4844,7 @@
               <a:t>? Que voudrais-tu </a:t>
             </a:r>
             <a:r>
-              <a:rPr lang="fr-FR" b="0" i="0" u="none" strike="noStrike" baseline="0" dirty="0" smtClean="0">
+              <a:rPr lang="fr-FR" b="0" i="0" u="none" strike="noStrike" baseline="0" dirty="0">
                 <a:solidFill>
                   <a:srgbClr val="DA0000"/>
                 </a:solidFill>
@@ -4423,7 +4853,7 @@
               <a:t>changer </a:t>
             </a:r>
             <a:r>
-              <a:rPr lang="fr-FR" b="0" i="0" u="none" strike="noStrike" baseline="0" dirty="0" smtClean="0">
+              <a:rPr lang="fr-FR" b="0" i="0" u="none" strike="noStrike" baseline="0" dirty="0">
                 <a:solidFill>
                   <a:srgbClr val="000000"/>
                 </a:solidFill>
@@ -4439,7 +4869,7 @@
               </a:lnSpc>
             </a:pPr>
             <a:r>
-              <a:rPr lang="fr-FR" b="0" i="0" u="none" strike="noStrike" baseline="0" dirty="0" smtClean="0">
+              <a:rPr lang="fr-FR" b="0" i="0" u="none" strike="noStrike" baseline="0" dirty="0">
                 <a:solidFill>
                   <a:srgbClr val="000000"/>
                 </a:solidFill>
@@ -4448,7 +4878,7 @@
               <a:t>4.</a:t>
             </a:r>
             <a:r>
-              <a:rPr lang="fr-FR" b="0" i="0" u="none" strike="noStrike" dirty="0" smtClean="0">
+              <a:rPr lang="fr-FR" b="0" i="0" u="none" strike="noStrike" dirty="0">
                 <a:solidFill>
                   <a:srgbClr val="000000"/>
                 </a:solidFill>
@@ -4457,7 +4887,7 @@
               <a:t> </a:t>
             </a:r>
             <a:r>
-              <a:rPr lang="fr-FR" b="0" i="0" u="none" strike="noStrike" baseline="0" dirty="0" smtClean="0">
+              <a:rPr lang="fr-FR" b="0" i="0" u="none" strike="noStrike" baseline="0" dirty="0">
                 <a:solidFill>
                   <a:srgbClr val="000000"/>
                 </a:solidFill>
@@ -4466,7 +4896,7 @@
               <a:t>Y </a:t>
             </a:r>
             <a:r>
-              <a:rPr lang="fr-FR" b="0" i="0" u="none" strike="noStrike" baseline="0" dirty="0" err="1" smtClean="0">
+              <a:rPr lang="fr-FR" b="0" i="0" u="none" strike="noStrike" baseline="0" dirty="0" err="1">
                 <a:solidFill>
                   <a:srgbClr val="000000"/>
                 </a:solidFill>
@@ -4475,7 +4905,7 @@
               <a:t>a-t-il</a:t>
             </a:r>
             <a:r>
-              <a:rPr lang="fr-FR" b="0" i="0" u="none" strike="noStrike" baseline="0" dirty="0" smtClean="0">
+              <a:rPr lang="fr-FR" b="0" i="0" u="none" strike="noStrike" baseline="0" dirty="0">
                 <a:solidFill>
                   <a:srgbClr val="000000"/>
                 </a:solidFill>
@@ -4484,7 +4914,7 @@
               <a:t> un </a:t>
             </a:r>
             <a:r>
-              <a:rPr lang="fr-FR" b="0" i="0" u="none" strike="noStrike" baseline="0" dirty="0" smtClean="0">
+              <a:rPr lang="fr-FR" b="0" i="0" u="none" strike="noStrike" baseline="0" dirty="0">
                 <a:solidFill>
                   <a:srgbClr val="DA0000"/>
                 </a:solidFill>
@@ -4493,7 +4923,7 @@
               <a:t>obstacle </a:t>
             </a:r>
             <a:r>
-              <a:rPr lang="fr-FR" b="0" i="0" u="none" strike="noStrike" baseline="0" dirty="0" smtClean="0">
+              <a:rPr lang="fr-FR" b="0" i="0" u="none" strike="noStrike" baseline="0" dirty="0">
                 <a:solidFill>
                   <a:srgbClr val="000000"/>
                 </a:solidFill>
@@ -4502,7 +4932,7 @@
               <a:t>dans ta progression</a:t>
             </a:r>
             <a:r>
-              <a:rPr lang="fr-FR" b="0" i="0" u="none" strike="noStrike" dirty="0" smtClean="0">
+              <a:rPr lang="fr-FR" b="0" i="0" u="none" strike="noStrike" dirty="0">
                 <a:solidFill>
                   <a:srgbClr val="000000"/>
                 </a:solidFill>
@@ -4511,7 +4941,7 @@
               <a:t> </a:t>
             </a:r>
             <a:r>
-              <a:rPr lang="fr-FR" b="0" i="0" u="none" strike="noStrike" baseline="0" dirty="0" smtClean="0">
+              <a:rPr lang="fr-FR" b="0" i="0" u="none" strike="noStrike" baseline="0" dirty="0">
                 <a:solidFill>
                   <a:srgbClr val="000000"/>
                 </a:solidFill>
@@ -4520,7 +4950,7 @@
               <a:t>spirituelle ? Veux-tu en</a:t>
             </a:r>
             <a:r>
-              <a:rPr lang="fr-FR" b="0" i="0" u="none" strike="noStrike" dirty="0" smtClean="0">
+              <a:rPr lang="fr-FR" b="0" i="0" u="none" strike="noStrike" dirty="0">
                 <a:solidFill>
                   <a:srgbClr val="000000"/>
                 </a:solidFill>
@@ -4529,7 +4959,7 @@
               <a:t> </a:t>
             </a:r>
             <a:r>
-              <a:rPr lang="fr-FR" b="0" i="0" u="none" strike="noStrike" baseline="0" dirty="0" smtClean="0">
+              <a:rPr lang="fr-FR" b="0" i="0" u="none" strike="noStrike" baseline="0" dirty="0">
                 <a:solidFill>
                   <a:srgbClr val="000000"/>
                 </a:solidFill>
@@ -4538,7 +4968,7 @@
               <a:t>parler ?</a:t>
             </a:r>
             <a:r>
-              <a:rPr lang="fr-FR" b="0" i="0" u="none" strike="noStrike" dirty="0" smtClean="0">
+              <a:rPr lang="fr-FR" b="0" i="0" u="none" strike="noStrike" dirty="0">
                 <a:solidFill>
                   <a:srgbClr val="000000"/>
                 </a:solidFill>
@@ -4547,7 +4977,7 @@
               <a:t> </a:t>
             </a:r>
             <a:r>
-              <a:rPr lang="fr-FR" b="0" i="0" u="none" strike="noStrike" baseline="0" dirty="0" smtClean="0">
+              <a:rPr lang="fr-FR" b="0" i="0" u="none" strike="noStrike" baseline="0" dirty="0">
                 <a:solidFill>
                   <a:srgbClr val="000000"/>
                 </a:solidFill>
@@ -4563,7 +4993,7 @@
               </a:lnSpc>
             </a:pPr>
             <a:r>
-              <a:rPr lang="fr-FR" b="0" i="0" u="none" strike="noStrike" baseline="0" dirty="0" smtClean="0">
+              <a:rPr lang="fr-FR" b="0" i="0" u="none" strike="noStrike" baseline="0" dirty="0">
                 <a:solidFill>
                   <a:srgbClr val="000000"/>
                 </a:solidFill>
@@ -4572,7 +5002,7 @@
               <a:t>5.</a:t>
             </a:r>
             <a:r>
-              <a:rPr lang="fr-FR" b="0" i="0" u="none" strike="noStrike" dirty="0" smtClean="0">
+              <a:rPr lang="fr-FR" b="0" i="0" u="none" strike="noStrike" dirty="0">
                 <a:solidFill>
                   <a:srgbClr val="000000"/>
                 </a:solidFill>
@@ -4581,7 +5011,7 @@
               <a:t> </a:t>
             </a:r>
             <a:r>
-              <a:rPr lang="fr-FR" b="0" i="0" u="none" strike="noStrike" baseline="0" dirty="0" smtClean="0">
+              <a:rPr lang="fr-FR" b="0" i="0" u="none" strike="noStrike" baseline="0" dirty="0">
                 <a:solidFill>
                   <a:srgbClr val="000000"/>
                 </a:solidFill>
@@ -4590,7 +5020,7 @@
               <a:t>Pour qui veux-tu </a:t>
             </a:r>
             <a:r>
-              <a:rPr lang="fr-FR" b="0" i="0" u="none" strike="noStrike" baseline="0" dirty="0" smtClean="0">
+              <a:rPr lang="fr-FR" b="0" i="0" u="none" strike="noStrike" baseline="0" dirty="0">
                 <a:solidFill>
                   <a:srgbClr val="DA0000"/>
                 </a:solidFill>
@@ -4599,7 +5029,7 @@
               <a:t>prier </a:t>
             </a:r>
             <a:r>
-              <a:rPr lang="fr-FR" b="0" i="0" u="none" strike="noStrike" baseline="0" dirty="0" smtClean="0">
+              <a:rPr lang="fr-FR" b="0" i="0" u="none" strike="noStrike" baseline="0" dirty="0">
                 <a:solidFill>
                   <a:srgbClr val="000000"/>
                 </a:solidFill>
@@ -4615,7 +5045,7 @@
               </a:lnSpc>
             </a:pPr>
             <a:r>
-              <a:rPr lang="fr-FR" b="0" i="0" u="none" strike="noStrike" baseline="0" dirty="0" smtClean="0">
+              <a:rPr lang="fr-FR" b="0" i="0" u="none" strike="noStrike" baseline="0" dirty="0">
                 <a:solidFill>
                   <a:srgbClr val="000000"/>
                 </a:solidFill>
@@ -4624,7 +5054,7 @@
               <a:t>6.</a:t>
             </a:r>
             <a:r>
-              <a:rPr lang="fr-FR" b="0" i="0" u="none" strike="noStrike" dirty="0" smtClean="0">
+              <a:rPr lang="fr-FR" b="0" i="0" u="none" strike="noStrike" dirty="0">
                 <a:solidFill>
                   <a:srgbClr val="000000"/>
                 </a:solidFill>
@@ -4633,7 +5063,7 @@
               <a:t> </a:t>
             </a:r>
             <a:r>
-              <a:rPr lang="fr-FR" b="0" i="0" u="none" strike="noStrike" baseline="0" dirty="0" smtClean="0">
+              <a:rPr lang="fr-FR" b="0" i="0" u="none" strike="noStrike" baseline="0" dirty="0">
                 <a:solidFill>
                   <a:srgbClr val="000000"/>
                 </a:solidFill>
@@ -4642,7 +5072,7 @@
               <a:t>Qu’as-tu pensé de ce que tu as lu</a:t>
             </a:r>
             <a:r>
-              <a:rPr lang="fr-FR" b="0" i="0" u="none" strike="noStrike" dirty="0" smtClean="0">
+              <a:rPr lang="fr-FR" b="0" i="0" u="none" strike="noStrike" dirty="0">
                 <a:solidFill>
                   <a:srgbClr val="000000"/>
                 </a:solidFill>
@@ -4651,7 +5081,7 @@
               <a:t> </a:t>
             </a:r>
             <a:r>
-              <a:rPr lang="fr-FR" b="0" i="0" u="none" strike="noStrike" baseline="0" dirty="0" smtClean="0">
+              <a:rPr lang="fr-FR" b="0" i="0" u="none" strike="noStrike" baseline="0" dirty="0">
                 <a:solidFill>
                   <a:srgbClr val="000000"/>
                 </a:solidFill>
@@ -4714,48 +5144,16 @@
           <a:p>
             <a:pPr algn="just"/>
             <a:r>
-              <a:rPr lang="fr-FR" sz="1100" dirty="0" smtClean="0"/>
-              <a:t>Les questions tournent </a:t>
-            </a:r>
-            <a:r>
               <a:rPr lang="fr-FR" sz="1100" dirty="0"/>
-              <a:t>autour de </a:t>
-            </a:r>
-            <a:r>
-              <a:rPr lang="fr-FR" sz="1100" dirty="0" smtClean="0"/>
-              <a:t>3 axes : </a:t>
-            </a:r>
-            <a:r>
-              <a:rPr lang="fr-FR" sz="1200" b="1" dirty="0" smtClean="0">
+              <a:t>Les questions tournent autour de 3 axes : </a:t>
+            </a:r>
+            <a:r>
+              <a:rPr lang="fr-FR" sz="1200" b="1" dirty="0">
                 <a:solidFill>
                   <a:srgbClr val="FF0000"/>
                 </a:solidFill>
               </a:rPr>
-              <a:t>ma </a:t>
-            </a:r>
-            <a:r>
-              <a:rPr lang="fr-FR" sz="1200" b="1" dirty="0">
-                <a:solidFill>
-                  <a:srgbClr val="FF0000"/>
-                </a:solidFill>
-              </a:rPr>
-              <a:t>relation à Dieu, </a:t>
-            </a:r>
-            <a:r>
-              <a:rPr lang="fr-FR" sz="1200" b="1" dirty="0" smtClean="0">
-                <a:solidFill>
-                  <a:srgbClr val="FF0000"/>
-                </a:solidFill>
-              </a:rPr>
-              <a:t>aux autres</a:t>
-            </a:r>
-            <a:r>
-              <a:rPr lang="fr-FR" sz="1200" b="1" dirty="0">
-                <a:solidFill>
-                  <a:srgbClr val="FF0000"/>
-                </a:solidFill>
-              </a:rPr>
-              <a:t>, et à moi-même.</a:t>
+              <a:t>ma relation à Dieu, aux autres, et à moi-même.</a:t>
             </a:r>
             <a:endParaRPr lang="fr-FR" sz="1100" b="1" dirty="0">
               <a:solidFill>
@@ -4767,90 +5165,14 @@
             <a:pPr algn="just"/>
             <a:r>
               <a:rPr lang="fr-FR" sz="1100" dirty="0"/>
-              <a:t>Elles ne sont pas là pour </a:t>
-            </a:r>
-            <a:r>
-              <a:rPr lang="fr-FR" sz="1100" dirty="0" smtClean="0"/>
-              <a:t>condamner ou </a:t>
-            </a:r>
+              <a:t>Elles ne sont pas là pour condamner ou juger, mais pour se positionner, évoquer les luttes ou les souffrances, prendre conscience des victoires et du chemin parcouru, voir l’action de Dieu dans sa vie, imaginer cette action dans la vie des autres.</a:t>
+            </a:r>
+          </a:p>
+          <a:p>
+            <a:pPr algn="just"/>
             <a:r>
               <a:rPr lang="fr-FR" sz="1100" dirty="0"/>
-              <a:t>juger, mais </a:t>
-            </a:r>
-            <a:r>
-              <a:rPr lang="fr-FR" sz="1100" dirty="0" smtClean="0"/>
-              <a:t>pour se </a:t>
-            </a:r>
-            <a:r>
-              <a:rPr lang="fr-FR" sz="1100" dirty="0"/>
-              <a:t>positionner, évoquer </a:t>
-            </a:r>
-            <a:r>
-              <a:rPr lang="fr-FR" sz="1100" dirty="0" smtClean="0"/>
-              <a:t>les luttes </a:t>
-            </a:r>
-            <a:r>
-              <a:rPr lang="fr-FR" sz="1100" dirty="0"/>
-              <a:t>ou les </a:t>
-            </a:r>
-            <a:r>
-              <a:rPr lang="fr-FR" sz="1100" dirty="0" smtClean="0"/>
-              <a:t>souffrances, prendre </a:t>
-            </a:r>
-            <a:r>
-              <a:rPr lang="fr-FR" sz="1100" dirty="0"/>
-              <a:t>conscience </a:t>
-            </a:r>
-            <a:r>
-              <a:rPr lang="fr-FR" sz="1100" dirty="0" smtClean="0"/>
-              <a:t>des victoires </a:t>
-            </a:r>
-            <a:r>
-              <a:rPr lang="fr-FR" sz="1100" dirty="0"/>
-              <a:t>et du chemin </a:t>
-            </a:r>
-            <a:r>
-              <a:rPr lang="fr-FR" sz="1100" dirty="0" smtClean="0"/>
-              <a:t>parcouru, voir </a:t>
-            </a:r>
-            <a:r>
-              <a:rPr lang="fr-FR" sz="1100" dirty="0"/>
-              <a:t>l’action de </a:t>
-            </a:r>
-            <a:r>
-              <a:rPr lang="fr-FR" sz="1100" dirty="0" smtClean="0"/>
-              <a:t>Dieu dans </a:t>
-            </a:r>
-            <a:r>
-              <a:rPr lang="fr-FR" sz="1100" dirty="0"/>
-              <a:t>sa vie, imaginer </a:t>
-            </a:r>
-            <a:r>
-              <a:rPr lang="fr-FR" sz="1100" dirty="0" smtClean="0"/>
-              <a:t>cette action </a:t>
-            </a:r>
-            <a:r>
-              <a:rPr lang="fr-FR" sz="1100" dirty="0"/>
-              <a:t>dans la vie des autres.</a:t>
-            </a:r>
-          </a:p>
-          <a:p>
-            <a:pPr algn="just"/>
-            <a:r>
-              <a:rPr lang="fr-FR" sz="1100" dirty="0"/>
-              <a:t>Ces questions sont un </a:t>
-            </a:r>
-            <a:r>
-              <a:rPr lang="fr-FR" sz="1100" dirty="0" smtClean="0"/>
-              <a:t>excellent moyen </a:t>
-            </a:r>
-            <a:r>
-              <a:rPr lang="fr-FR" sz="1100" dirty="0"/>
-              <a:t>pour </a:t>
-            </a:r>
-            <a:r>
-              <a:rPr lang="fr-FR" sz="1100" dirty="0" smtClean="0"/>
-              <a:t>apprendre le </a:t>
+              <a:t>Ces questions sont un excellent moyen pour apprendre le </a:t>
             </a:r>
             <a:r>
               <a:rPr lang="fr-FR" sz="1200" b="1" dirty="0">
@@ -4920,11 +5242,11 @@
           <a:lstStyle/>
           <a:p>
             <a:r>
-              <a:rPr lang="fr-FR" sz="3200" dirty="0" smtClean="0"/>
+              <a:rPr lang="fr-FR" sz="3200" dirty="0"/>
               <a:t>2. </a:t>
             </a:r>
             <a:r>
-              <a:rPr lang="fr-FR" sz="7300" dirty="0" smtClean="0">
+              <a:rPr lang="fr-FR" sz="7300" dirty="0">
                 <a:solidFill>
                   <a:srgbClr val="FF0000"/>
                 </a:solidFill>
@@ -4932,11 +5254,11 @@
               <a:t>Prier</a:t>
             </a:r>
             <a:r>
-              <a:rPr lang="fr-FR" sz="3200" dirty="0" smtClean="0"/>
+              <a:rPr lang="fr-FR" sz="3200" dirty="0"/>
               <a:t> l’un pour l’autre, et pour trois autres personnes.</a:t>
             </a:r>
             <a:br>
-              <a:rPr lang="fr-FR" sz="3200" dirty="0" smtClean="0"/>
+              <a:rPr lang="fr-FR" sz="3200" dirty="0"/>
             </a:br>
             <a:endParaRPr lang="fr-FR" sz="3200" dirty="0"/>
           </a:p>
@@ -5027,7 +5349,7 @@
               <a:buAutoNum type="arabicPeriod"/>
             </a:pPr>
             <a:r>
-              <a:rPr lang="fr-FR" sz="2400" dirty="0" smtClean="0"/>
+              <a:rPr lang="fr-FR" sz="2400" dirty="0"/>
               <a:t>___________________________________</a:t>
             </a:r>
           </a:p>
@@ -5039,7 +5361,7 @@
               <a:buAutoNum type="arabicPeriod"/>
             </a:pPr>
             <a:r>
-              <a:rPr lang="fr-FR" sz="2400" dirty="0" smtClean="0"/>
+              <a:rPr lang="fr-FR" sz="2400" dirty="0"/>
               <a:t>___________________________________</a:t>
             </a:r>
           </a:p>
@@ -5051,10 +5373,9 @@
               <a:buAutoNum type="arabicPeriod"/>
             </a:pPr>
             <a:r>
-              <a:rPr lang="fr-FR" sz="2400" dirty="0" smtClean="0"/>
+              <a:rPr lang="fr-FR" sz="2400" dirty="0"/>
               <a:t>___________________________________</a:t>
             </a:r>
-            <a:endParaRPr lang="fr-FR" sz="2400" dirty="0"/>
           </a:p>
         </p:txBody>
       </p:sp>
@@ -5088,95 +5409,19 @@
             <a:pPr algn="just"/>
             <a:r>
               <a:rPr lang="fr-FR" sz="1100" dirty="0"/>
-              <a:t>«Priez les uns pour les autres</a:t>
-            </a:r>
-            <a:r>
-              <a:rPr lang="fr-FR" sz="1100" dirty="0" smtClean="0"/>
-              <a:t>». Il </a:t>
+              <a:t>«Priez les uns pour les autres». Il est très encourageant d’entendre une personne prier pour soi. Mais le GDC est également </a:t>
+            </a:r>
+            <a:r>
+              <a:rPr lang="fr-FR" sz="1200" b="1" dirty="0">
+                <a:solidFill>
+                  <a:srgbClr val="FF0000"/>
+                </a:solidFill>
+              </a:rPr>
+              <a:t>ouvert aux autres</a:t>
             </a:r>
             <a:r>
               <a:rPr lang="fr-FR" sz="1100" dirty="0"/>
-              <a:t>est très encourageant </a:t>
-            </a:r>
-            <a:r>
-              <a:rPr lang="fr-FR" sz="1100" dirty="0" smtClean="0"/>
-              <a:t>d’entendre une </a:t>
-            </a:r>
-            <a:r>
-              <a:rPr lang="fr-FR" sz="1100" dirty="0"/>
-              <a:t>personne prier pour </a:t>
-            </a:r>
-            <a:r>
-              <a:rPr lang="fr-FR" sz="1100" dirty="0" smtClean="0"/>
-              <a:t>soi. Mais </a:t>
-            </a:r>
-            <a:r>
-              <a:rPr lang="fr-FR" sz="1100" dirty="0"/>
-              <a:t>le GDC est également </a:t>
-            </a:r>
-            <a:r>
-              <a:rPr lang="fr-FR" sz="1200" b="1" dirty="0" smtClean="0">
-                <a:solidFill>
-                  <a:srgbClr val="FF0000"/>
-                </a:solidFill>
-              </a:rPr>
-              <a:t>ouvert aux </a:t>
-            </a:r>
-            <a:r>
-              <a:rPr lang="fr-FR" sz="1200" b="1" dirty="0">
-                <a:solidFill>
-                  <a:srgbClr val="FF0000"/>
-                </a:solidFill>
-              </a:rPr>
-              <a:t>autres</a:t>
-            </a:r>
-            <a:r>
-              <a:rPr lang="fr-FR" sz="1100" dirty="0"/>
-              <a:t>. Chaque rencontre se </a:t>
-            </a:r>
-            <a:r>
-              <a:rPr lang="fr-FR" sz="1100" dirty="0" smtClean="0"/>
-              <a:t>termine par </a:t>
-            </a:r>
-            <a:r>
-              <a:rPr lang="fr-FR" sz="1100" dirty="0"/>
-              <a:t>un moment de prière </a:t>
-            </a:r>
-            <a:r>
-              <a:rPr lang="fr-FR" sz="1100" dirty="0" smtClean="0"/>
-              <a:t>pour trois </a:t>
-            </a:r>
-            <a:r>
-              <a:rPr lang="fr-FR" sz="1100" dirty="0"/>
-              <a:t>personnes autour de moi qui </a:t>
-            </a:r>
-            <a:r>
-              <a:rPr lang="fr-FR" sz="1100" dirty="0" smtClean="0"/>
-              <a:t>ont besoin </a:t>
-            </a:r>
-            <a:r>
-              <a:rPr lang="fr-FR" sz="1100" dirty="0"/>
-              <a:t>de la présence de Dieu. </a:t>
-            </a:r>
-            <a:r>
-              <a:rPr lang="fr-FR" sz="1100" dirty="0" smtClean="0"/>
-              <a:t>Ainsi, la </a:t>
-            </a:r>
-            <a:r>
-              <a:rPr lang="fr-FR" sz="1100" dirty="0"/>
-              <a:t>prière change mon regard sur </a:t>
-            </a:r>
-            <a:r>
-              <a:rPr lang="fr-FR" sz="1100" dirty="0" smtClean="0"/>
-              <a:t>eux, me </a:t>
-            </a:r>
-            <a:r>
-              <a:rPr lang="fr-FR" sz="1100" dirty="0"/>
-              <a:t>rend plus disponible, et fait </a:t>
-            </a:r>
-            <a:r>
-              <a:rPr lang="fr-FR" sz="1100" dirty="0" smtClean="0"/>
-              <a:t>de moi </a:t>
+              <a:t>. Chaque rencontre se termine par un moment de prière pour trois personnes autour de moi qui ont besoin de la présence de Dieu. Ainsi, la prière change mon regard sur eux, me rend plus disponible, et fait de moi </a:t>
             </a:r>
             <a:r>
               <a:rPr lang="fr-FR" sz="1200" b="1" dirty="0">
@@ -5246,23 +5491,19 @@
           <a:lstStyle/>
           <a:p>
             <a:r>
-              <a:rPr lang="fr-FR" dirty="0" smtClean="0"/>
+              <a:rPr lang="fr-FR" dirty="0"/>
               <a:t>3. Lecture quotidienne de la </a:t>
             </a:r>
             <a:r>
-              <a:rPr lang="fr-FR" sz="12800" dirty="0" smtClean="0">
+              <a:rPr lang="fr-FR" sz="12800" dirty="0">
                 <a:solidFill>
                   <a:srgbClr val="FF0000"/>
                 </a:solidFill>
               </a:rPr>
               <a:t>Bible</a:t>
             </a:r>
-            <a:r>
-              <a:rPr lang="fr-FR" dirty="0" smtClean="0"/>
-              <a:t/>
-            </a:r>
             <a:br>
-              <a:rPr lang="fr-FR" dirty="0" smtClean="0"/>
+              <a:rPr lang="fr-FR" dirty="0"/>
             </a:br>
             <a:endParaRPr lang="fr-FR" dirty="0"/>
           </a:p>
@@ -5347,7 +5588,7 @@
           <a:lstStyle/>
           <a:p>
             <a:r>
-              <a:rPr lang="fr-FR" sz="5400" dirty="0" smtClean="0"/>
+              <a:rPr lang="fr-FR" sz="5400" dirty="0"/>
               <a:t>Lecture</a:t>
             </a:r>
           </a:p>
@@ -5361,7 +5602,7 @@
               </a:lnSpc>
             </a:pPr>
             <a:r>
-              <a:rPr lang="fr-FR" dirty="0" smtClean="0"/>
+              <a:rPr lang="fr-FR" dirty="0"/>
               <a:t>Semaine 1 _______________________</a:t>
             </a:r>
           </a:p>
@@ -5372,7 +5613,7 @@
               </a:lnSpc>
             </a:pPr>
             <a:r>
-              <a:rPr lang="fr-FR" dirty="0" smtClean="0"/>
+              <a:rPr lang="fr-FR" dirty="0"/>
               <a:t>Semaine 2 _______________________</a:t>
             </a:r>
           </a:p>
@@ -5383,7 +5624,7 @@
               </a:lnSpc>
             </a:pPr>
             <a:r>
-              <a:rPr lang="fr-FR" dirty="0" smtClean="0"/>
+              <a:rPr lang="fr-FR" dirty="0"/>
               <a:t>Semaine 3 _______________________</a:t>
             </a:r>
           </a:p>
@@ -5394,7 +5635,7 @@
               </a:lnSpc>
             </a:pPr>
             <a:r>
-              <a:rPr lang="fr-FR" dirty="0" smtClean="0"/>
+              <a:rPr lang="fr-FR" dirty="0"/>
               <a:t>Semaine 4 _______________________</a:t>
             </a:r>
           </a:p>
@@ -5405,7 +5646,7 @@
               </a:lnSpc>
             </a:pPr>
             <a:r>
-              <a:rPr lang="fr-FR" dirty="0" smtClean="0"/>
+              <a:rPr lang="fr-FR" dirty="0"/>
               <a:t>Semaine 5 _______________________</a:t>
             </a:r>
           </a:p>
@@ -5416,7 +5657,7 @@
               </a:lnSpc>
             </a:pPr>
             <a:r>
-              <a:rPr lang="fr-FR" dirty="0" smtClean="0"/>
+              <a:rPr lang="fr-FR" dirty="0"/>
               <a:t>Semaine 6 _______________________</a:t>
             </a:r>
           </a:p>
@@ -5427,7 +5668,7 @@
               </a:lnSpc>
             </a:pPr>
             <a:r>
-              <a:rPr lang="fr-FR" dirty="0" smtClean="0"/>
+              <a:rPr lang="fr-FR" dirty="0"/>
               <a:t>Semaine 7 _______________________</a:t>
             </a:r>
           </a:p>
@@ -5438,10 +5679,9 @@
               </a:lnSpc>
             </a:pPr>
             <a:r>
-              <a:rPr lang="fr-FR" dirty="0" smtClean="0"/>
+              <a:rPr lang="fr-FR" dirty="0"/>
               <a:t>Etc…</a:t>
             </a:r>
-            <a:endParaRPr lang="fr-FR" dirty="0"/>
           </a:p>
         </p:txBody>
       </p:sp>
@@ -5475,47 +5715,19 @@
             <a:pPr algn="just"/>
             <a:r>
               <a:rPr lang="fr-FR" sz="1100" dirty="0"/>
-              <a:t>Nous avons pris </a:t>
-            </a:r>
-            <a:r>
-              <a:rPr lang="fr-FR" sz="1100" dirty="0" smtClean="0"/>
-              <a:t>l’habitude d’étudier </a:t>
+              <a:t>Nous avons pris l’habitude d’étudier la Bible, de lire des commentaires ou des livres annexes et cela est important. Mais il est aussi bon d’apprendre à lire la Bible </a:t>
+            </a:r>
+            <a:r>
+              <a:rPr lang="fr-FR" sz="1200" b="1" dirty="0">
+                <a:solidFill>
+                  <a:srgbClr val="FF0000"/>
+                </a:solidFill>
+              </a:rPr>
+              <a:t>en lecture simple</a:t>
             </a:r>
             <a:r>
               <a:rPr lang="fr-FR" sz="1100" dirty="0"/>
-              <a:t>la Bible, de lire </a:t>
-            </a:r>
-            <a:r>
-              <a:rPr lang="fr-FR" sz="1100" dirty="0" smtClean="0"/>
-              <a:t>des commentaires </a:t>
-            </a:r>
-            <a:r>
-              <a:rPr lang="fr-FR" sz="1100" dirty="0"/>
-              <a:t>ou des </a:t>
-            </a:r>
-            <a:r>
-              <a:rPr lang="fr-FR" sz="1100" dirty="0" smtClean="0"/>
-              <a:t>livres annexes </a:t>
-            </a:r>
-            <a:r>
-              <a:rPr lang="fr-FR" sz="1100" dirty="0"/>
-              <a:t>et cela est </a:t>
-            </a:r>
-            <a:r>
-              <a:rPr lang="fr-FR" sz="1100" dirty="0" smtClean="0"/>
-              <a:t>important. Mais </a:t>
-            </a:r>
-            <a:r>
-              <a:rPr lang="fr-FR" sz="1100" dirty="0"/>
-              <a:t>il est aussi bon </a:t>
-            </a:r>
-            <a:r>
-              <a:rPr lang="fr-FR" sz="1100" dirty="0" smtClean="0"/>
-              <a:t>d’apprendre à </a:t>
-            </a:r>
-            <a:r>
-              <a:rPr lang="fr-FR" sz="1100" dirty="0"/>
-              <a:t>lire la Bible </a:t>
+              <a:t>, laissant l’Esprit faire le reste. Cela passe par une lecture soutenue et régulière. A chacun d’adapter son rythme. Certains lisent jusqu’à 30 chapitres par semaine ! L’important est de rechercher quel rythme me permet </a:t>
             </a:r>
             <a:r>
               <a:rPr lang="fr-FR" sz="1200" b="1" dirty="0">
@@ -5523,87 +5735,7 @@
                   <a:srgbClr val="FF0000"/>
                 </a:solidFill>
               </a:rPr>
-              <a:t>en </a:t>
-            </a:r>
-            <a:r>
-              <a:rPr lang="fr-FR" sz="1200" b="1" dirty="0" smtClean="0">
-                <a:solidFill>
-                  <a:srgbClr val="FF0000"/>
-                </a:solidFill>
-              </a:rPr>
-              <a:t>lecture simple</a:t>
-            </a:r>
-            <a:r>
-              <a:rPr lang="fr-FR" sz="1100" dirty="0"/>
-              <a:t>, laissant l’Esprit faire </a:t>
-            </a:r>
-            <a:r>
-              <a:rPr lang="fr-FR" sz="1100" dirty="0" smtClean="0"/>
-              <a:t>le reste. Cela </a:t>
-            </a:r>
-            <a:r>
-              <a:rPr lang="fr-FR" sz="1100" dirty="0"/>
-              <a:t>passe par une </a:t>
-            </a:r>
-            <a:r>
-              <a:rPr lang="fr-FR" sz="1100" dirty="0" smtClean="0"/>
-              <a:t>lecture soutenue </a:t>
-            </a:r>
-            <a:r>
-              <a:rPr lang="fr-FR" sz="1100" dirty="0"/>
-              <a:t>et régulière. A </a:t>
-            </a:r>
-            <a:r>
-              <a:rPr lang="fr-FR" sz="1100" dirty="0" smtClean="0"/>
-              <a:t>chacun d’adapter </a:t>
-            </a:r>
-            <a:r>
-              <a:rPr lang="fr-FR" sz="1100" dirty="0"/>
-              <a:t>son </a:t>
-            </a:r>
-            <a:r>
-              <a:rPr lang="fr-FR" sz="1100" dirty="0" smtClean="0"/>
-              <a:t>rythme. Certains </a:t>
-            </a:r>
-            <a:r>
-              <a:rPr lang="fr-FR" sz="1100" dirty="0"/>
-              <a:t>lisent jusqu’à 30 </a:t>
-            </a:r>
-            <a:r>
-              <a:rPr lang="fr-FR" sz="1100" dirty="0" smtClean="0"/>
-              <a:t>chapitres par </a:t>
-            </a:r>
-            <a:r>
-              <a:rPr lang="fr-FR" sz="1100" dirty="0"/>
-              <a:t>semaine </a:t>
-            </a:r>
-            <a:r>
-              <a:rPr lang="fr-FR" sz="1100" dirty="0" smtClean="0"/>
-              <a:t>! L’important </a:t>
-            </a:r>
-            <a:r>
-              <a:rPr lang="fr-FR" sz="1100" dirty="0"/>
-              <a:t>est </a:t>
-            </a:r>
-            <a:r>
-              <a:rPr lang="fr-FR" sz="1100" dirty="0" smtClean="0"/>
-              <a:t>de rechercher quel rythme me permet </a:t>
-            </a:r>
-            <a:r>
-              <a:rPr lang="fr-FR" sz="1200" b="1" dirty="0" smtClean="0">
-                <a:solidFill>
-                  <a:srgbClr val="FF0000"/>
-                </a:solidFill>
-              </a:rPr>
-              <a:t>d’être enraciné dans ma relation avec </a:t>
-            </a:r>
-            <a:r>
-              <a:rPr lang="fr-FR" sz="1200" b="1" dirty="0">
-                <a:solidFill>
-                  <a:srgbClr val="FF0000"/>
-                </a:solidFill>
-              </a:rPr>
-              <a:t>Dieu.</a:t>
+              <a:t>d’être enraciné dans ma relation avec Dieu.</a:t>
             </a:r>
             <a:endParaRPr lang="fr-FR" sz="1100" b="1" dirty="0">
               <a:solidFill>
@@ -5885,4 +6017,299 @@
     </a:ext>
   </a:extLst>
 </a:theme>
+</file>
+
+<file path=ppt/theme/theme2.xml><?xml version="1.0" encoding="utf-8"?>
+<a:theme xmlns:a="http://schemas.openxmlformats.org/drawingml/2006/main" name="Thème Office">
+  <a:themeElements>
+    <a:clrScheme name="Office">
+      <a:dk1>
+        <a:sysClr val="windowText" lastClr="000000"/>
+      </a:dk1>
+      <a:lt1>
+        <a:sysClr val="window" lastClr="FFFFFF"/>
+      </a:lt1>
+      <a:dk2>
+        <a:srgbClr val="44546A"/>
+      </a:dk2>
+      <a:lt2>
+        <a:srgbClr val="E7E6E6"/>
+      </a:lt2>
+      <a:accent1>
+        <a:srgbClr val="4472C4"/>
+      </a:accent1>
+      <a:accent2>
+        <a:srgbClr val="ED7D31"/>
+      </a:accent2>
+      <a:accent3>
+        <a:srgbClr val="A5A5A5"/>
+      </a:accent3>
+      <a:accent4>
+        <a:srgbClr val="FFC000"/>
+      </a:accent4>
+      <a:accent5>
+        <a:srgbClr val="5B9BD5"/>
+      </a:accent5>
+      <a:accent6>
+        <a:srgbClr val="70AD47"/>
+      </a:accent6>
+      <a:hlink>
+        <a:srgbClr val="0563C1"/>
+      </a:hlink>
+      <a:folHlink>
+        <a:srgbClr val="954F72"/>
+      </a:folHlink>
+    </a:clrScheme>
+    <a:fontScheme name="Office">
+      <a:majorFont>
+        <a:latin typeface="Calibri Light" panose="020F0302020204030204"/>
+        <a:ea typeface=""/>
+        <a:cs typeface=""/>
+        <a:font script="Jpan" typeface="游ゴシック Light"/>
+        <a:font script="Hang" typeface="맑은 고딕"/>
+        <a:font script="Hans" typeface="等线 Light"/>
+        <a:font script="Hant" typeface="新細明體"/>
+        <a:font script="Arab" typeface="Times New Roman"/>
+        <a:font script="Hebr" typeface="Times New Roman"/>
+        <a:font script="Thai" typeface="Angsana New"/>
+        <a:font script="Ethi" typeface="Nyala"/>
+        <a:font script="Beng" typeface="Vrinda"/>
+        <a:font script="Gujr" typeface="Shruti"/>
+        <a:font script="Khmr" typeface="MoolBoran"/>
+        <a:font script="Knda" typeface="Tunga"/>
+        <a:font script="Guru" typeface="Raavi"/>
+        <a:font script="Cans" typeface="Euphemia"/>
+        <a:font script="Cher" typeface="Plantagenet Cherokee"/>
+        <a:font script="Yiii" typeface="Microsoft Yi Baiti"/>
+        <a:font script="Tibt" typeface="Microsoft Himalaya"/>
+        <a:font script="Thaa" typeface="MV Boli"/>
+        <a:font script="Deva" typeface="Mangal"/>
+        <a:font script="Telu" typeface="Gautami"/>
+        <a:font script="Taml" typeface="Latha"/>
+        <a:font script="Syrc" typeface="Estrangelo Edessa"/>
+        <a:font script="Orya" typeface="Kalinga"/>
+        <a:font script="Mlym" typeface="Kartika"/>
+        <a:font script="Laoo" typeface="DokChampa"/>
+        <a:font script="Sinh" typeface="Iskoola Pota"/>
+        <a:font script="Mong" typeface="Mongolian Baiti"/>
+        <a:font script="Viet" typeface="Times New Roman"/>
+        <a:font script="Uigh" typeface="Microsoft Uighur"/>
+        <a:font script="Geor" typeface="Sylfaen"/>
+        <a:font script="Armn" typeface="Arial"/>
+        <a:font script="Bugi" typeface="Leelawadee UI"/>
+        <a:font script="Bopo" typeface="Microsoft JhengHei"/>
+        <a:font script="Java" typeface="Javanese Text"/>
+        <a:font script="Lisu" typeface="Segoe UI"/>
+        <a:font script="Mymr" typeface="Myanmar Text"/>
+        <a:font script="Nkoo" typeface="Ebrima"/>
+        <a:font script="Olck" typeface="Nirmala UI"/>
+        <a:font script="Osma" typeface="Ebrima"/>
+        <a:font script="Phag" typeface="Phagspa"/>
+        <a:font script="Syrn" typeface="Estrangelo Edessa"/>
+        <a:font script="Syrj" typeface="Estrangelo Edessa"/>
+        <a:font script="Syre" typeface="Estrangelo Edessa"/>
+        <a:font script="Sora" typeface="Nirmala UI"/>
+        <a:font script="Tale" typeface="Microsoft Tai Le"/>
+        <a:font script="Talu" typeface="Microsoft New Tai Lue"/>
+        <a:font script="Tfng" typeface="Ebrima"/>
+      </a:majorFont>
+      <a:minorFont>
+        <a:latin typeface="Calibri" panose="020F0502020204030204"/>
+        <a:ea typeface=""/>
+        <a:cs typeface=""/>
+        <a:font script="Jpan" typeface="游ゴシック"/>
+        <a:font script="Hang" typeface="맑은 고딕"/>
+        <a:font script="Hans" typeface="等线"/>
+        <a:font script="Hant" typeface="新細明體"/>
+        <a:font script="Arab" typeface="Arial"/>
+        <a:font script="Hebr" typeface="Arial"/>
+        <a:font script="Thai" typeface="Cordia New"/>
+        <a:font script="Ethi" typeface="Nyala"/>
+        <a:font script="Beng" typeface="Vrinda"/>
+        <a:font script="Gujr" typeface="Shruti"/>
+        <a:font script="Khmr" typeface="DaunPenh"/>
+        <a:font script="Knda" typeface="Tunga"/>
+        <a:font script="Guru" typeface="Raavi"/>
+        <a:font script="Cans" typeface="Euphemia"/>
+        <a:font script="Cher" typeface="Plantagenet Cherokee"/>
+        <a:font script="Yiii" typeface="Microsoft Yi Baiti"/>
+        <a:font script="Tibt" typeface="Microsoft Himalaya"/>
+        <a:font script="Thaa" typeface="MV Boli"/>
+        <a:font script="Deva" typeface="Mangal"/>
+        <a:font script="Telu" typeface="Gautami"/>
+        <a:font script="Taml" typeface="Latha"/>
+        <a:font script="Syrc" typeface="Estrangelo Edessa"/>
+        <a:font script="Orya" typeface="Kalinga"/>
+        <a:font script="Mlym" typeface="Kartika"/>
+        <a:font script="Laoo" typeface="DokChampa"/>
+        <a:font script="Sinh" typeface="Iskoola Pota"/>
+        <a:font script="Mong" typeface="Mongolian Baiti"/>
+        <a:font script="Viet" typeface="Arial"/>
+        <a:font script="Uigh" typeface="Microsoft Uighur"/>
+        <a:font script="Geor" typeface="Sylfaen"/>
+        <a:font script="Armn" typeface="Arial"/>
+        <a:font script="Bugi" typeface="Leelawadee UI"/>
+        <a:font script="Bopo" typeface="Microsoft JhengHei"/>
+        <a:font script="Java" typeface="Javanese Text"/>
+        <a:font script="Lisu" typeface="Segoe UI"/>
+        <a:font script="Mymr" typeface="Myanmar Text"/>
+        <a:font script="Nkoo" typeface="Ebrima"/>
+        <a:font script="Olck" typeface="Nirmala UI"/>
+        <a:font script="Osma" typeface="Ebrima"/>
+        <a:font script="Phag" typeface="Phagspa"/>
+        <a:font script="Syrn" typeface="Estrangelo Edessa"/>
+        <a:font script="Syrj" typeface="Estrangelo Edessa"/>
+        <a:font script="Syre" typeface="Estrangelo Edessa"/>
+        <a:font script="Sora" typeface="Nirmala UI"/>
+        <a:font script="Tale" typeface="Microsoft Tai Le"/>
+        <a:font script="Talu" typeface="Microsoft New Tai Lue"/>
+        <a:font script="Tfng" typeface="Ebrima"/>
+      </a:minorFont>
+    </a:fontScheme>
+    <a:fmtScheme name="Office">
+      <a:fillStyleLst>
+        <a:solidFill>
+          <a:schemeClr val="phClr"/>
+        </a:solidFill>
+        <a:gradFill rotWithShape="1">
+          <a:gsLst>
+            <a:gs pos="0">
+              <a:schemeClr val="phClr">
+                <a:lumMod val="110000"/>
+                <a:satMod val="105000"/>
+                <a:tint val="67000"/>
+              </a:schemeClr>
+            </a:gs>
+            <a:gs pos="50000">
+              <a:schemeClr val="phClr">
+                <a:lumMod val="105000"/>
+                <a:satMod val="103000"/>
+                <a:tint val="73000"/>
+              </a:schemeClr>
+            </a:gs>
+            <a:gs pos="100000">
+              <a:schemeClr val="phClr">
+                <a:lumMod val="105000"/>
+                <a:satMod val="109000"/>
+                <a:tint val="81000"/>
+              </a:schemeClr>
+            </a:gs>
+          </a:gsLst>
+          <a:lin ang="5400000" scaled="0"/>
+        </a:gradFill>
+        <a:gradFill rotWithShape="1">
+          <a:gsLst>
+            <a:gs pos="0">
+              <a:schemeClr val="phClr">
+                <a:satMod val="103000"/>
+                <a:lumMod val="102000"/>
+                <a:tint val="94000"/>
+              </a:schemeClr>
+            </a:gs>
+            <a:gs pos="50000">
+              <a:schemeClr val="phClr">
+                <a:satMod val="110000"/>
+                <a:lumMod val="100000"/>
+                <a:shade val="100000"/>
+              </a:schemeClr>
+            </a:gs>
+            <a:gs pos="100000">
+              <a:schemeClr val="phClr">
+                <a:lumMod val="99000"/>
+                <a:satMod val="120000"/>
+                <a:shade val="78000"/>
+              </a:schemeClr>
+            </a:gs>
+          </a:gsLst>
+          <a:lin ang="5400000" scaled="0"/>
+        </a:gradFill>
+      </a:fillStyleLst>
+      <a:lnStyleLst>
+        <a:ln w="6350" cap="flat" cmpd="sng" algn="ctr">
+          <a:solidFill>
+            <a:schemeClr val="phClr"/>
+          </a:solidFill>
+          <a:prstDash val="solid"/>
+          <a:miter lim="800000"/>
+        </a:ln>
+        <a:ln w="12700" cap="flat" cmpd="sng" algn="ctr">
+          <a:solidFill>
+            <a:schemeClr val="phClr"/>
+          </a:solidFill>
+          <a:prstDash val="solid"/>
+          <a:miter lim="800000"/>
+        </a:ln>
+        <a:ln w="19050" cap="flat" cmpd="sng" algn="ctr">
+          <a:solidFill>
+            <a:schemeClr val="phClr"/>
+          </a:solidFill>
+          <a:prstDash val="solid"/>
+          <a:miter lim="800000"/>
+        </a:ln>
+      </a:lnStyleLst>
+      <a:effectStyleLst>
+        <a:effectStyle>
+          <a:effectLst/>
+        </a:effectStyle>
+        <a:effectStyle>
+          <a:effectLst/>
+        </a:effectStyle>
+        <a:effectStyle>
+          <a:effectLst>
+            <a:outerShdw blurRad="57150" dist="19050" dir="5400000" algn="ctr" rotWithShape="0">
+              <a:srgbClr val="000000">
+                <a:alpha val="63000"/>
+              </a:srgbClr>
+            </a:outerShdw>
+          </a:effectLst>
+        </a:effectStyle>
+      </a:effectStyleLst>
+      <a:bgFillStyleLst>
+        <a:solidFill>
+          <a:schemeClr val="phClr"/>
+        </a:solidFill>
+        <a:solidFill>
+          <a:schemeClr val="phClr">
+            <a:tint val="95000"/>
+            <a:satMod val="170000"/>
+          </a:schemeClr>
+        </a:solidFill>
+        <a:gradFill rotWithShape="1">
+          <a:gsLst>
+            <a:gs pos="0">
+              <a:schemeClr val="phClr">
+                <a:tint val="93000"/>
+                <a:satMod val="150000"/>
+                <a:shade val="98000"/>
+                <a:lumMod val="102000"/>
+              </a:schemeClr>
+            </a:gs>
+            <a:gs pos="50000">
+              <a:schemeClr val="phClr">
+                <a:tint val="98000"/>
+                <a:satMod val="130000"/>
+                <a:shade val="90000"/>
+                <a:lumMod val="103000"/>
+              </a:schemeClr>
+            </a:gs>
+            <a:gs pos="100000">
+              <a:schemeClr val="phClr">
+                <a:shade val="63000"/>
+                <a:satMod val="120000"/>
+              </a:schemeClr>
+            </a:gs>
+          </a:gsLst>
+          <a:lin ang="5400000" scaled="0"/>
+        </a:gradFill>
+      </a:bgFillStyleLst>
+    </a:fmtScheme>
+  </a:themeElements>
+  <a:objectDefaults/>
+  <a:extraClrSchemeLst/>
+  <a:extLst>
+    <a:ext uri="{05A4C25C-085E-4340-85A3-A5531E510DB2}">
+      <thm15:themeFamily xmlns:thm15="http://schemas.microsoft.com/office/thememl/2012/main" name="Office Theme" id="{62F939B6-93AF-4DB8-9C6B-D6C7DFDC589F}" vid="{4A3C46E8-61CC-4603-A589-7422A47A8E4A}"/>
+    </a:ext>
+  </a:extLst>
+</a:theme>
 </file>